--- a/branch.pptx
+++ b/branch.pptx
@@ -3576,16 +3576,8 @@
           <a:p>
             <a:pPr algn="l"/>
             <a:r>
-              <a:rPr lang="ko-KR" altLang="en-US" sz="11500" dirty="0"/>
-              <a:t>깃 </a:t>
-            </a:r>
-            <a:r>
-              <a:rPr lang="ko-KR" altLang="en-US" sz="11500" dirty="0" err="1"/>
-              <a:t>브랜치</a:t>
-            </a:r>
-            <a:r>
               <a:rPr lang="en-US" altLang="ko-KR" sz="11500" dirty="0"/>
-              <a:t>(Git Branch)</a:t>
+              <a:t>Git Branch</a:t>
             </a:r>
             <a:endParaRPr lang="en-KR" sz="11500" dirty="0"/>
           </a:p>
@@ -3834,8 +3826,8 @@
         </p:nvSpPr>
         <p:spPr>
           <a:xfrm>
-            <a:off x="5225143" y="2928257"/>
-            <a:ext cx="1146852" cy="369332"/>
+            <a:off x="2319549" y="2321004"/>
+            <a:ext cx="7552901" cy="2215991"/>
           </a:xfrm>
           <a:prstGeom prst="rect">
             <a:avLst/>
@@ -3849,7 +3841,11 @@
           <a:lstStyle/>
           <a:p>
             <a:r>
-              <a:rPr lang="en-KR" dirty="0"/>
+              <a:rPr lang="en-KR" sz="13800" dirty="0">
+                <a:solidFill>
+                  <a:srgbClr val="FF0000"/>
+                </a:solidFill>
+              </a:rPr>
               <a:t>Thank You</a:t>
             </a:r>
           </a:p>

--- a/branch.pptx
+++ b/branch.pptx
@@ -3855,6 +3855,55 @@
           </a:p>
         </p:txBody>
       </p:sp>
+      <p:sp>
+        <p:nvSpPr>
+          <p:cNvPr id="2" name="Heart 1">
+            <a:extLst>
+              <a:ext uri="{FF2B5EF4-FFF2-40B4-BE49-F238E27FC236}">
+                <a16:creationId xmlns:a16="http://schemas.microsoft.com/office/drawing/2014/main" id="{DEDCE98D-F31E-D95C-F4C3-26E0AE959D03}"/>
+              </a:ext>
+            </a:extLst>
+          </p:cNvPr>
+          <p:cNvSpPr/>
+          <p:nvPr/>
+        </p:nvSpPr>
+        <p:spPr>
+          <a:xfrm>
+            <a:off x="9872450" y="2667000"/>
+            <a:ext cx="1869995" cy="1869995"/>
+          </a:xfrm>
+          <a:prstGeom prst="heart">
+            <a:avLst/>
+          </a:prstGeom>
+          <a:solidFill>
+            <a:srgbClr val="FF0000"/>
+          </a:solidFill>
+        </p:spPr>
+        <p:style>
+          <a:lnRef idx="2">
+            <a:schemeClr val="accent1">
+              <a:shade val="15000"/>
+            </a:schemeClr>
+          </a:lnRef>
+          <a:fillRef idx="1">
+            <a:schemeClr val="accent1"/>
+          </a:fillRef>
+          <a:effectRef idx="0">
+            <a:schemeClr val="accent1"/>
+          </a:effectRef>
+          <a:fontRef idx="minor">
+            <a:schemeClr val="lt1"/>
+          </a:fontRef>
+        </p:style>
+        <p:txBody>
+          <a:bodyPr rtlCol="0" anchor="ctr"/>
+          <a:lstStyle/>
+          <a:p>
+            <a:pPr algn="ctr"/>
+            <a:endParaRPr lang="en-KR"/>
+          </a:p>
+        </p:txBody>
+      </p:sp>
     </p:spTree>
     <p:extLst>
       <p:ext uri="{BB962C8B-B14F-4D97-AF65-F5344CB8AC3E}">

--- a/branch.pptx
+++ b/branch.pptx
@@ -263,7 +263,7 @@
           <a:p>
             <a:fld id="{42AB81E2-2E7B-B344-9159-A676E4F74E42}" type="datetimeFigureOut">
               <a:rPr lang="en-KR" smtClean="0"/>
-              <a:t>1/9/24</a:t>
+              <a:t>01/11/2024</a:t>
             </a:fld>
             <a:endParaRPr lang="en-KR"/>
           </a:p>
@@ -463,7 +463,7 @@
           <a:p>
             <a:fld id="{42AB81E2-2E7B-B344-9159-A676E4F74E42}" type="datetimeFigureOut">
               <a:rPr lang="en-KR" smtClean="0"/>
-              <a:t>1/9/24</a:t>
+              <a:t>01/11/2024</a:t>
             </a:fld>
             <a:endParaRPr lang="en-KR"/>
           </a:p>
@@ -673,7 +673,7 @@
           <a:p>
             <a:fld id="{42AB81E2-2E7B-B344-9159-A676E4F74E42}" type="datetimeFigureOut">
               <a:rPr lang="en-KR" smtClean="0"/>
-              <a:t>1/9/24</a:t>
+              <a:t>01/11/2024</a:t>
             </a:fld>
             <a:endParaRPr lang="en-KR"/>
           </a:p>
@@ -873,7 +873,7 @@
           <a:p>
             <a:fld id="{42AB81E2-2E7B-B344-9159-A676E4F74E42}" type="datetimeFigureOut">
               <a:rPr lang="en-KR" smtClean="0"/>
-              <a:t>1/9/24</a:t>
+              <a:t>01/11/2024</a:t>
             </a:fld>
             <a:endParaRPr lang="en-KR"/>
           </a:p>
@@ -1149,7 +1149,7 @@
           <a:p>
             <a:fld id="{42AB81E2-2E7B-B344-9159-A676E4F74E42}" type="datetimeFigureOut">
               <a:rPr lang="en-KR" smtClean="0"/>
-              <a:t>1/9/24</a:t>
+              <a:t>01/11/2024</a:t>
             </a:fld>
             <a:endParaRPr lang="en-KR"/>
           </a:p>
@@ -1417,7 +1417,7 @@
           <a:p>
             <a:fld id="{42AB81E2-2E7B-B344-9159-A676E4F74E42}" type="datetimeFigureOut">
               <a:rPr lang="en-KR" smtClean="0"/>
-              <a:t>1/9/24</a:t>
+              <a:t>01/11/2024</a:t>
             </a:fld>
             <a:endParaRPr lang="en-KR"/>
           </a:p>
@@ -1832,7 +1832,7 @@
           <a:p>
             <a:fld id="{42AB81E2-2E7B-B344-9159-A676E4F74E42}" type="datetimeFigureOut">
               <a:rPr lang="en-KR" smtClean="0"/>
-              <a:t>1/9/24</a:t>
+              <a:t>01/11/2024</a:t>
             </a:fld>
             <a:endParaRPr lang="en-KR"/>
           </a:p>
@@ -1974,7 +1974,7 @@
           <a:p>
             <a:fld id="{42AB81E2-2E7B-B344-9159-A676E4F74E42}" type="datetimeFigureOut">
               <a:rPr lang="en-KR" smtClean="0"/>
-              <a:t>1/9/24</a:t>
+              <a:t>01/11/2024</a:t>
             </a:fld>
             <a:endParaRPr lang="en-KR"/>
           </a:p>
@@ -2087,7 +2087,7 @@
           <a:p>
             <a:fld id="{42AB81E2-2E7B-B344-9159-A676E4F74E42}" type="datetimeFigureOut">
               <a:rPr lang="en-KR" smtClean="0"/>
-              <a:t>1/9/24</a:t>
+              <a:t>01/11/2024</a:t>
             </a:fld>
             <a:endParaRPr lang="en-KR"/>
           </a:p>
@@ -2400,7 +2400,7 @@
           <a:p>
             <a:fld id="{42AB81E2-2E7B-B344-9159-A676E4F74E42}" type="datetimeFigureOut">
               <a:rPr lang="en-KR" smtClean="0"/>
-              <a:t>1/9/24</a:t>
+              <a:t>01/11/2024</a:t>
             </a:fld>
             <a:endParaRPr lang="en-KR"/>
           </a:p>
@@ -2689,7 +2689,7 @@
           <a:p>
             <a:fld id="{42AB81E2-2E7B-B344-9159-A676E4F74E42}" type="datetimeFigureOut">
               <a:rPr lang="en-KR" smtClean="0"/>
-              <a:t>1/9/24</a:t>
+              <a:t>01/11/2024</a:t>
             </a:fld>
             <a:endParaRPr lang="en-KR"/>
           </a:p>
@@ -2932,7 +2932,7 @@
           <a:p>
             <a:fld id="{42AB81E2-2E7B-B344-9159-A676E4F74E42}" type="datetimeFigureOut">
               <a:rPr lang="en-KR" smtClean="0"/>
-              <a:t>1/9/24</a:t>
+              <a:t>01/11/2024</a:t>
             </a:fld>
             <a:endParaRPr lang="en-KR"/>
           </a:p>
@@ -3365,7 +3365,7 @@
                 <a16:creationId xmlns:a16="http://schemas.microsoft.com/office/drawing/2014/main" id="{934F1179-B481-4F9E-BCA3-AFB972070F83}"/>
               </a:ext>
               <a:ext uri="{C183D7F6-B498-43B3-948B-1728B52AA6E4}">
-                <adec:decorative xmlns:adec="http://schemas.microsoft.com/office/drawing/2017/decorative" val="1"/>
+                <adec:decorative xmlns:adec="http://schemas.microsoft.com/office/drawing/2017/decorative" xmlns="" val="1"/>
               </a:ext>
             </a:extLst>
           </p:cNvPr>
@@ -3425,7 +3425,7 @@
                 <a16:creationId xmlns:a16="http://schemas.microsoft.com/office/drawing/2014/main" id="{827DC2C4-B485-428A-BF4A-472D2967F47F}"/>
               </a:ext>
               <a:ext uri="{C183D7F6-B498-43B3-948B-1728B52AA6E4}">
-                <adec:decorative xmlns:adec="http://schemas.microsoft.com/office/drawing/2017/decorative" val="1"/>
+                <adec:decorative xmlns:adec="http://schemas.microsoft.com/office/drawing/2017/decorative" xmlns="" val="1"/>
               </a:ext>
             </a:extLst>
           </p:cNvPr>
@@ -3488,7 +3488,7 @@
                 <a16:creationId xmlns:a16="http://schemas.microsoft.com/office/drawing/2014/main" id="{EE04B5EB-F158-4507-90DD-BD23620C7CC9}"/>
               </a:ext>
               <a:ext uri="{C183D7F6-B498-43B3-948B-1728B52AA6E4}">
-                <adec:decorative xmlns:adec="http://schemas.microsoft.com/office/drawing/2017/decorative" val="1"/>
+                <adec:decorative xmlns:adec="http://schemas.microsoft.com/office/drawing/2017/decorative" xmlns="" val="1"/>
               </a:ext>
             </a:extLst>
           </p:cNvPr>
@@ -3613,6 +3613,58 @@
           <a:p>
             <a:pPr algn="l"/>
             <a:endParaRPr lang="en-KR" dirty="0"/>
+          </a:p>
+        </p:txBody>
+      </p:sp>
+      <p:sp>
+        <p:nvSpPr>
+          <p:cNvPr id="4" name="모서리가 둥근 직사각형 3"/>
+          <p:cNvSpPr/>
+          <p:nvPr/>
+        </p:nvSpPr>
+        <p:spPr>
+          <a:xfrm>
+            <a:off x="3620655" y="729542"/>
+            <a:ext cx="4267200" cy="2050473"/>
+          </a:xfrm>
+          <a:prstGeom prst="roundRect">
+            <a:avLst/>
+          </a:prstGeom>
+        </p:spPr>
+        <p:style>
+          <a:lnRef idx="2">
+            <a:schemeClr val="accent1">
+              <a:shade val="50000"/>
+            </a:schemeClr>
+          </a:lnRef>
+          <a:fillRef idx="1">
+            <a:schemeClr val="accent1"/>
+          </a:fillRef>
+          <a:effectRef idx="0">
+            <a:schemeClr val="accent1"/>
+          </a:effectRef>
+          <a:fontRef idx="minor">
+            <a:schemeClr val="lt1"/>
+          </a:fontRef>
+        </p:style>
+        <p:txBody>
+          <a:bodyPr rtlCol="0" anchor="ctr"/>
+          <a:lstStyle/>
+          <a:p>
+            <a:pPr algn="ctr"/>
+            <a:endParaRPr lang="ko-KR" altLang="en-US">
+              <a:ln w="0"/>
+              <a:solidFill>
+                <a:schemeClr val="tx1"/>
+              </a:solidFill>
+              <a:effectLst>
+                <a:outerShdw blurRad="38100" dist="19050" dir="2700000" algn="tl" rotWithShape="0">
+                  <a:schemeClr val="dk1">
+                    <a:alpha val="40000"/>
+                  </a:schemeClr>
+                </a:outerShdw>
+              </a:effectLst>
+            </a:endParaRPr>
           </a:p>
         </p:txBody>
       </p:sp>

--- a/branch.pptx
+++ b/branch.pptx
@@ -263,7 +263,7 @@
           <a:p>
             <a:fld id="{42AB81E2-2E7B-B344-9159-A676E4F74E42}" type="datetimeFigureOut">
               <a:rPr lang="en-KR" smtClean="0"/>
-              <a:t>1/9/24</a:t>
+              <a:t>01/11/2024</a:t>
             </a:fld>
             <a:endParaRPr lang="en-KR"/>
           </a:p>
@@ -463,7 +463,7 @@
           <a:p>
             <a:fld id="{42AB81E2-2E7B-B344-9159-A676E4F74E42}" type="datetimeFigureOut">
               <a:rPr lang="en-KR" smtClean="0"/>
-              <a:t>1/9/24</a:t>
+              <a:t>01/11/2024</a:t>
             </a:fld>
             <a:endParaRPr lang="en-KR"/>
           </a:p>
@@ -673,7 +673,7 @@
           <a:p>
             <a:fld id="{42AB81E2-2E7B-B344-9159-A676E4F74E42}" type="datetimeFigureOut">
               <a:rPr lang="en-KR" smtClean="0"/>
-              <a:t>1/9/24</a:t>
+              <a:t>01/11/2024</a:t>
             </a:fld>
             <a:endParaRPr lang="en-KR"/>
           </a:p>
@@ -873,7 +873,7 @@
           <a:p>
             <a:fld id="{42AB81E2-2E7B-B344-9159-A676E4F74E42}" type="datetimeFigureOut">
               <a:rPr lang="en-KR" smtClean="0"/>
-              <a:t>1/9/24</a:t>
+              <a:t>01/11/2024</a:t>
             </a:fld>
             <a:endParaRPr lang="en-KR"/>
           </a:p>
@@ -1149,7 +1149,7 @@
           <a:p>
             <a:fld id="{42AB81E2-2E7B-B344-9159-A676E4F74E42}" type="datetimeFigureOut">
               <a:rPr lang="en-KR" smtClean="0"/>
-              <a:t>1/9/24</a:t>
+              <a:t>01/11/2024</a:t>
             </a:fld>
             <a:endParaRPr lang="en-KR"/>
           </a:p>
@@ -1417,7 +1417,7 @@
           <a:p>
             <a:fld id="{42AB81E2-2E7B-B344-9159-A676E4F74E42}" type="datetimeFigureOut">
               <a:rPr lang="en-KR" smtClean="0"/>
-              <a:t>1/9/24</a:t>
+              <a:t>01/11/2024</a:t>
             </a:fld>
             <a:endParaRPr lang="en-KR"/>
           </a:p>
@@ -1832,7 +1832,7 @@
           <a:p>
             <a:fld id="{42AB81E2-2E7B-B344-9159-A676E4F74E42}" type="datetimeFigureOut">
               <a:rPr lang="en-KR" smtClean="0"/>
-              <a:t>1/9/24</a:t>
+              <a:t>01/11/2024</a:t>
             </a:fld>
             <a:endParaRPr lang="en-KR"/>
           </a:p>
@@ -1974,7 +1974,7 @@
           <a:p>
             <a:fld id="{42AB81E2-2E7B-B344-9159-A676E4F74E42}" type="datetimeFigureOut">
               <a:rPr lang="en-KR" smtClean="0"/>
-              <a:t>1/9/24</a:t>
+              <a:t>01/11/2024</a:t>
             </a:fld>
             <a:endParaRPr lang="en-KR"/>
           </a:p>
@@ -2087,7 +2087,7 @@
           <a:p>
             <a:fld id="{42AB81E2-2E7B-B344-9159-A676E4F74E42}" type="datetimeFigureOut">
               <a:rPr lang="en-KR" smtClean="0"/>
-              <a:t>1/9/24</a:t>
+              <a:t>01/11/2024</a:t>
             </a:fld>
             <a:endParaRPr lang="en-KR"/>
           </a:p>
@@ -2400,7 +2400,7 @@
           <a:p>
             <a:fld id="{42AB81E2-2E7B-B344-9159-A676E4F74E42}" type="datetimeFigureOut">
               <a:rPr lang="en-KR" smtClean="0"/>
-              <a:t>1/9/24</a:t>
+              <a:t>01/11/2024</a:t>
             </a:fld>
             <a:endParaRPr lang="en-KR"/>
           </a:p>
@@ -2689,7 +2689,7 @@
           <a:p>
             <a:fld id="{42AB81E2-2E7B-B344-9159-A676E4F74E42}" type="datetimeFigureOut">
               <a:rPr lang="en-KR" smtClean="0"/>
-              <a:t>1/9/24</a:t>
+              <a:t>01/11/2024</a:t>
             </a:fld>
             <a:endParaRPr lang="en-KR"/>
           </a:p>
@@ -2932,7 +2932,7 @@
           <a:p>
             <a:fld id="{42AB81E2-2E7B-B344-9159-A676E4F74E42}" type="datetimeFigureOut">
               <a:rPr lang="en-KR" smtClean="0"/>
-              <a:t>1/9/24</a:t>
+              <a:t>01/11/2024</a:t>
             </a:fld>
             <a:endParaRPr lang="en-KR"/>
           </a:p>
@@ -3365,7 +3365,7 @@
                 <a16:creationId xmlns:a16="http://schemas.microsoft.com/office/drawing/2014/main" id="{934F1179-B481-4F9E-BCA3-AFB972070F83}"/>
               </a:ext>
               <a:ext uri="{C183D7F6-B498-43B3-948B-1728B52AA6E4}">
-                <adec:decorative xmlns:adec="http://schemas.microsoft.com/office/drawing/2017/decorative" val="1"/>
+                <adec:decorative xmlns:adec="http://schemas.microsoft.com/office/drawing/2017/decorative" xmlns="" val="1"/>
               </a:ext>
             </a:extLst>
           </p:cNvPr>
@@ -3425,7 +3425,7 @@
                 <a16:creationId xmlns:a16="http://schemas.microsoft.com/office/drawing/2014/main" id="{827DC2C4-B485-428A-BF4A-472D2967F47F}"/>
               </a:ext>
               <a:ext uri="{C183D7F6-B498-43B3-948B-1728B52AA6E4}">
-                <adec:decorative xmlns:adec="http://schemas.microsoft.com/office/drawing/2017/decorative" val="1"/>
+                <adec:decorative xmlns:adec="http://schemas.microsoft.com/office/drawing/2017/decorative" xmlns="" val="1"/>
               </a:ext>
             </a:extLst>
           </p:cNvPr>
@@ -3488,7 +3488,7 @@
                 <a16:creationId xmlns:a16="http://schemas.microsoft.com/office/drawing/2014/main" id="{EE04B5EB-F158-4507-90DD-BD23620C7CC9}"/>
               </a:ext>
               <a:ext uri="{C183D7F6-B498-43B3-948B-1728B52AA6E4}">
-                <adec:decorative xmlns:adec="http://schemas.microsoft.com/office/drawing/2017/decorative" val="1"/>
+                <adec:decorative xmlns:adec="http://schemas.microsoft.com/office/drawing/2017/decorative" xmlns="" val="1"/>
               </a:ext>
             </a:extLst>
           </p:cNvPr>
@@ -3835,7 +3835,7 @@
         <p:spPr>
           <a:xfrm>
             <a:off x="5225143" y="2928257"/>
-            <a:ext cx="1146852" cy="369332"/>
+            <a:ext cx="2887906" cy="369332"/>
           </a:xfrm>
           <a:prstGeom prst="rect">
             <a:avLst/>
@@ -3849,9 +3849,18 @@
           <a:lstStyle/>
           <a:p>
             <a:r>
-              <a:rPr lang="en-KR" dirty="0"/>
-              <a:t>Thank You</a:t>
-            </a:r>
+              <a:rPr lang="en-KR"/>
+              <a:t>Thank </a:t>
+            </a:r>
+            <a:r>
+              <a:rPr lang="en-KR" smtClean="0"/>
+              <a:t>You</a:t>
+            </a:r>
+            <a:r>
+              <a:rPr lang="ko-KR" altLang="en-US" smtClean="0"/>
+              <a:t>ㅇ리ㅏㄴ어ㅣㅁ</a:t>
+            </a:r>
+            <a:endParaRPr lang="en-KR" dirty="0"/>
           </a:p>
         </p:txBody>
       </p:sp>

--- a/branch.pptx
+++ b/branch.pptx
@@ -263,7 +263,7 @@
           <a:p>
             <a:fld id="{42AB81E2-2E7B-B344-9159-A676E4F74E42}" type="datetimeFigureOut">
               <a:rPr lang="en-KR" smtClean="0"/>
-              <a:t>1/9/24</a:t>
+              <a:t>01/11/2024</a:t>
             </a:fld>
             <a:endParaRPr lang="en-KR"/>
           </a:p>
@@ -463,7 +463,7 @@
           <a:p>
             <a:fld id="{42AB81E2-2E7B-B344-9159-A676E4F74E42}" type="datetimeFigureOut">
               <a:rPr lang="en-KR" smtClean="0"/>
-              <a:t>1/9/24</a:t>
+              <a:t>01/11/2024</a:t>
             </a:fld>
             <a:endParaRPr lang="en-KR"/>
           </a:p>
@@ -673,7 +673,7 @@
           <a:p>
             <a:fld id="{42AB81E2-2E7B-B344-9159-A676E4F74E42}" type="datetimeFigureOut">
               <a:rPr lang="en-KR" smtClean="0"/>
-              <a:t>1/9/24</a:t>
+              <a:t>01/11/2024</a:t>
             </a:fld>
             <a:endParaRPr lang="en-KR"/>
           </a:p>
@@ -873,7 +873,7 @@
           <a:p>
             <a:fld id="{42AB81E2-2E7B-B344-9159-A676E4F74E42}" type="datetimeFigureOut">
               <a:rPr lang="en-KR" smtClean="0"/>
-              <a:t>1/9/24</a:t>
+              <a:t>01/11/2024</a:t>
             </a:fld>
             <a:endParaRPr lang="en-KR"/>
           </a:p>
@@ -1149,7 +1149,7 @@
           <a:p>
             <a:fld id="{42AB81E2-2E7B-B344-9159-A676E4F74E42}" type="datetimeFigureOut">
               <a:rPr lang="en-KR" smtClean="0"/>
-              <a:t>1/9/24</a:t>
+              <a:t>01/11/2024</a:t>
             </a:fld>
             <a:endParaRPr lang="en-KR"/>
           </a:p>
@@ -1417,7 +1417,7 @@
           <a:p>
             <a:fld id="{42AB81E2-2E7B-B344-9159-A676E4F74E42}" type="datetimeFigureOut">
               <a:rPr lang="en-KR" smtClean="0"/>
-              <a:t>1/9/24</a:t>
+              <a:t>01/11/2024</a:t>
             </a:fld>
             <a:endParaRPr lang="en-KR"/>
           </a:p>
@@ -1832,7 +1832,7 @@
           <a:p>
             <a:fld id="{42AB81E2-2E7B-B344-9159-A676E4F74E42}" type="datetimeFigureOut">
               <a:rPr lang="en-KR" smtClean="0"/>
-              <a:t>1/9/24</a:t>
+              <a:t>01/11/2024</a:t>
             </a:fld>
             <a:endParaRPr lang="en-KR"/>
           </a:p>
@@ -1974,7 +1974,7 @@
           <a:p>
             <a:fld id="{42AB81E2-2E7B-B344-9159-A676E4F74E42}" type="datetimeFigureOut">
               <a:rPr lang="en-KR" smtClean="0"/>
-              <a:t>1/9/24</a:t>
+              <a:t>01/11/2024</a:t>
             </a:fld>
             <a:endParaRPr lang="en-KR"/>
           </a:p>
@@ -2087,7 +2087,7 @@
           <a:p>
             <a:fld id="{42AB81E2-2E7B-B344-9159-A676E4F74E42}" type="datetimeFigureOut">
               <a:rPr lang="en-KR" smtClean="0"/>
-              <a:t>1/9/24</a:t>
+              <a:t>01/11/2024</a:t>
             </a:fld>
             <a:endParaRPr lang="en-KR"/>
           </a:p>
@@ -2400,7 +2400,7 @@
           <a:p>
             <a:fld id="{42AB81E2-2E7B-B344-9159-A676E4F74E42}" type="datetimeFigureOut">
               <a:rPr lang="en-KR" smtClean="0"/>
-              <a:t>1/9/24</a:t>
+              <a:t>01/11/2024</a:t>
             </a:fld>
             <a:endParaRPr lang="en-KR"/>
           </a:p>
@@ -2689,7 +2689,7 @@
           <a:p>
             <a:fld id="{42AB81E2-2E7B-B344-9159-A676E4F74E42}" type="datetimeFigureOut">
               <a:rPr lang="en-KR" smtClean="0"/>
-              <a:t>1/9/24</a:t>
+              <a:t>01/11/2024</a:t>
             </a:fld>
             <a:endParaRPr lang="en-KR"/>
           </a:p>
@@ -2932,7 +2932,7 @@
           <a:p>
             <a:fld id="{42AB81E2-2E7B-B344-9159-A676E4F74E42}" type="datetimeFigureOut">
               <a:rPr lang="en-KR" smtClean="0"/>
-              <a:t>1/9/24</a:t>
+              <a:t>01/11/2024</a:t>
             </a:fld>
             <a:endParaRPr lang="en-KR"/>
           </a:p>
@@ -3365,7 +3365,7 @@
                 <a16:creationId xmlns:a16="http://schemas.microsoft.com/office/drawing/2014/main" id="{934F1179-B481-4F9E-BCA3-AFB972070F83}"/>
               </a:ext>
               <a:ext uri="{C183D7F6-B498-43B3-948B-1728B52AA6E4}">
-                <adec:decorative xmlns:adec="http://schemas.microsoft.com/office/drawing/2017/decorative" val="1"/>
+                <adec:decorative xmlns:adec="http://schemas.microsoft.com/office/drawing/2017/decorative" xmlns="" val="1"/>
               </a:ext>
             </a:extLst>
           </p:cNvPr>
@@ -3425,7 +3425,7 @@
                 <a16:creationId xmlns:a16="http://schemas.microsoft.com/office/drawing/2014/main" id="{827DC2C4-B485-428A-BF4A-472D2967F47F}"/>
               </a:ext>
               <a:ext uri="{C183D7F6-B498-43B3-948B-1728B52AA6E4}">
-                <adec:decorative xmlns:adec="http://schemas.microsoft.com/office/drawing/2017/decorative" val="1"/>
+                <adec:decorative xmlns:adec="http://schemas.microsoft.com/office/drawing/2017/decorative" xmlns="" val="1"/>
               </a:ext>
             </a:extLst>
           </p:cNvPr>
@@ -3488,7 +3488,7 @@
                 <a16:creationId xmlns:a16="http://schemas.microsoft.com/office/drawing/2014/main" id="{EE04B5EB-F158-4507-90DD-BD23620C7CC9}"/>
               </a:ext>
               <a:ext uri="{C183D7F6-B498-43B3-948B-1728B52AA6E4}">
-                <adec:decorative xmlns:adec="http://schemas.microsoft.com/office/drawing/2017/decorative" val="1"/>
+                <adec:decorative xmlns:adec="http://schemas.microsoft.com/office/drawing/2017/decorative" xmlns="" val="1"/>
               </a:ext>
             </a:extLst>
           </p:cNvPr>
@@ -3852,6 +3852,46 @@
               <a:rPr lang="en-KR" dirty="0"/>
               <a:t>Thank You</a:t>
             </a:r>
+          </a:p>
+        </p:txBody>
+      </p:sp>
+      <p:sp>
+        <p:nvSpPr>
+          <p:cNvPr id="2" name="타원 1"/>
+          <p:cNvSpPr/>
+          <p:nvPr/>
+        </p:nvSpPr>
+        <p:spPr>
+          <a:xfrm>
+            <a:off x="7509164" y="1902691"/>
+            <a:ext cx="2456872" cy="3103418"/>
+          </a:xfrm>
+          <a:prstGeom prst="ellipse">
+            <a:avLst/>
+          </a:prstGeom>
+        </p:spPr>
+        <p:style>
+          <a:lnRef idx="2">
+            <a:schemeClr val="accent1">
+              <a:shade val="50000"/>
+            </a:schemeClr>
+          </a:lnRef>
+          <a:fillRef idx="1">
+            <a:schemeClr val="accent1"/>
+          </a:fillRef>
+          <a:effectRef idx="0">
+            <a:schemeClr val="accent1"/>
+          </a:effectRef>
+          <a:fontRef idx="minor">
+            <a:schemeClr val="lt1"/>
+          </a:fontRef>
+        </p:style>
+        <p:txBody>
+          <a:bodyPr rtlCol="0" anchor="ctr"/>
+          <a:lstStyle/>
+          <a:p>
+            <a:pPr algn="ctr"/>
+            <a:endParaRPr lang="ko-KR" altLang="en-US"/>
           </a:p>
         </p:txBody>
       </p:sp>

--- a/branch.pptx
+++ b/branch.pptx
@@ -263,7 +263,7 @@
           <a:p>
             <a:fld id="{42AB81E2-2E7B-B344-9159-A676E4F74E42}" type="datetimeFigureOut">
               <a:rPr lang="en-KR" smtClean="0"/>
-              <a:t>1/9/24</a:t>
+              <a:t>01/11/2024</a:t>
             </a:fld>
             <a:endParaRPr lang="en-KR"/>
           </a:p>
@@ -463,7 +463,7 @@
           <a:p>
             <a:fld id="{42AB81E2-2E7B-B344-9159-A676E4F74E42}" type="datetimeFigureOut">
               <a:rPr lang="en-KR" smtClean="0"/>
-              <a:t>1/9/24</a:t>
+              <a:t>01/11/2024</a:t>
             </a:fld>
             <a:endParaRPr lang="en-KR"/>
           </a:p>
@@ -673,7 +673,7 @@
           <a:p>
             <a:fld id="{42AB81E2-2E7B-B344-9159-A676E4F74E42}" type="datetimeFigureOut">
               <a:rPr lang="en-KR" smtClean="0"/>
-              <a:t>1/9/24</a:t>
+              <a:t>01/11/2024</a:t>
             </a:fld>
             <a:endParaRPr lang="en-KR"/>
           </a:p>
@@ -873,7 +873,7 @@
           <a:p>
             <a:fld id="{42AB81E2-2E7B-B344-9159-A676E4F74E42}" type="datetimeFigureOut">
               <a:rPr lang="en-KR" smtClean="0"/>
-              <a:t>1/9/24</a:t>
+              <a:t>01/11/2024</a:t>
             </a:fld>
             <a:endParaRPr lang="en-KR"/>
           </a:p>
@@ -1149,7 +1149,7 @@
           <a:p>
             <a:fld id="{42AB81E2-2E7B-B344-9159-A676E4F74E42}" type="datetimeFigureOut">
               <a:rPr lang="en-KR" smtClean="0"/>
-              <a:t>1/9/24</a:t>
+              <a:t>01/11/2024</a:t>
             </a:fld>
             <a:endParaRPr lang="en-KR"/>
           </a:p>
@@ -1417,7 +1417,7 @@
           <a:p>
             <a:fld id="{42AB81E2-2E7B-B344-9159-A676E4F74E42}" type="datetimeFigureOut">
               <a:rPr lang="en-KR" smtClean="0"/>
-              <a:t>1/9/24</a:t>
+              <a:t>01/11/2024</a:t>
             </a:fld>
             <a:endParaRPr lang="en-KR"/>
           </a:p>
@@ -1832,7 +1832,7 @@
           <a:p>
             <a:fld id="{42AB81E2-2E7B-B344-9159-A676E4F74E42}" type="datetimeFigureOut">
               <a:rPr lang="en-KR" smtClean="0"/>
-              <a:t>1/9/24</a:t>
+              <a:t>01/11/2024</a:t>
             </a:fld>
             <a:endParaRPr lang="en-KR"/>
           </a:p>
@@ -1974,7 +1974,7 @@
           <a:p>
             <a:fld id="{42AB81E2-2E7B-B344-9159-A676E4F74E42}" type="datetimeFigureOut">
               <a:rPr lang="en-KR" smtClean="0"/>
-              <a:t>1/9/24</a:t>
+              <a:t>01/11/2024</a:t>
             </a:fld>
             <a:endParaRPr lang="en-KR"/>
           </a:p>
@@ -2087,7 +2087,7 @@
           <a:p>
             <a:fld id="{42AB81E2-2E7B-B344-9159-A676E4F74E42}" type="datetimeFigureOut">
               <a:rPr lang="en-KR" smtClean="0"/>
-              <a:t>1/9/24</a:t>
+              <a:t>01/11/2024</a:t>
             </a:fld>
             <a:endParaRPr lang="en-KR"/>
           </a:p>
@@ -2400,7 +2400,7 @@
           <a:p>
             <a:fld id="{42AB81E2-2E7B-B344-9159-A676E4F74E42}" type="datetimeFigureOut">
               <a:rPr lang="en-KR" smtClean="0"/>
-              <a:t>1/9/24</a:t>
+              <a:t>01/11/2024</a:t>
             </a:fld>
             <a:endParaRPr lang="en-KR"/>
           </a:p>
@@ -2689,7 +2689,7 @@
           <a:p>
             <a:fld id="{42AB81E2-2E7B-B344-9159-A676E4F74E42}" type="datetimeFigureOut">
               <a:rPr lang="en-KR" smtClean="0"/>
-              <a:t>1/9/24</a:t>
+              <a:t>01/11/2024</a:t>
             </a:fld>
             <a:endParaRPr lang="en-KR"/>
           </a:p>
@@ -2932,7 +2932,7 @@
           <a:p>
             <a:fld id="{42AB81E2-2E7B-B344-9159-A676E4F74E42}" type="datetimeFigureOut">
               <a:rPr lang="en-KR" smtClean="0"/>
-              <a:t>1/9/24</a:t>
+              <a:t>01/11/2024</a:t>
             </a:fld>
             <a:endParaRPr lang="en-KR"/>
           </a:p>
@@ -3365,7 +3365,7 @@
                 <a16:creationId xmlns:a16="http://schemas.microsoft.com/office/drawing/2014/main" id="{934F1179-B481-4F9E-BCA3-AFB972070F83}"/>
               </a:ext>
               <a:ext uri="{C183D7F6-B498-43B3-948B-1728B52AA6E4}">
-                <adec:decorative xmlns:adec="http://schemas.microsoft.com/office/drawing/2017/decorative" val="1"/>
+                <adec:decorative xmlns:adec="http://schemas.microsoft.com/office/drawing/2017/decorative" xmlns="" val="1"/>
               </a:ext>
             </a:extLst>
           </p:cNvPr>
@@ -3425,7 +3425,7 @@
                 <a16:creationId xmlns:a16="http://schemas.microsoft.com/office/drawing/2014/main" id="{827DC2C4-B485-428A-BF4A-472D2967F47F}"/>
               </a:ext>
               <a:ext uri="{C183D7F6-B498-43B3-948B-1728B52AA6E4}">
-                <adec:decorative xmlns:adec="http://schemas.microsoft.com/office/drawing/2017/decorative" val="1"/>
+                <adec:decorative xmlns:adec="http://schemas.microsoft.com/office/drawing/2017/decorative" xmlns="" val="1"/>
               </a:ext>
             </a:extLst>
           </p:cNvPr>
@@ -3488,7 +3488,7 @@
                 <a16:creationId xmlns:a16="http://schemas.microsoft.com/office/drawing/2014/main" id="{EE04B5EB-F158-4507-90DD-BD23620C7CC9}"/>
               </a:ext>
               <a:ext uri="{C183D7F6-B498-43B3-948B-1728B52AA6E4}">
-                <adec:decorative xmlns:adec="http://schemas.microsoft.com/office/drawing/2017/decorative" val="1"/>
+                <adec:decorative xmlns:adec="http://schemas.microsoft.com/office/drawing/2017/decorative" xmlns="" val="1"/>
               </a:ext>
             </a:extLst>
           </p:cNvPr>
@@ -3834,8 +3834,8 @@
         </p:nvSpPr>
         <p:spPr>
           <a:xfrm>
-            <a:off x="5225143" y="2928257"/>
-            <a:ext cx="1146852" cy="369332"/>
+            <a:off x="3810759" y="2928257"/>
+            <a:ext cx="4570482" cy="861774"/>
           </a:xfrm>
           <a:prstGeom prst="rect">
             <a:avLst/>
@@ -3849,8 +3849,31 @@
           <a:lstStyle/>
           <a:p>
             <a:r>
-              <a:rPr lang="en-KR" dirty="0"/>
-              <a:t>Thank You</a:t>
+              <a:rPr lang="en-US" sz="5000" dirty="0" smtClean="0">
+                <a:solidFill>
+                  <a:srgbClr val="FF0000"/>
+                </a:solidFill>
+                <a:latin typeface="Algerian" panose="04020705040A02060702" pitchFamily="82" charset="0"/>
+              </a:rPr>
+              <a:t>NO </a:t>
+            </a:r>
+            <a:r>
+              <a:rPr lang="en-KR" sz="5000" dirty="0" smtClean="0">
+                <a:solidFill>
+                  <a:srgbClr val="FF0000"/>
+                </a:solidFill>
+                <a:latin typeface="Algerian" panose="04020705040A02060702" pitchFamily="82" charset="0"/>
+              </a:rPr>
+              <a:t>Thank </a:t>
+            </a:r>
+            <a:r>
+              <a:rPr lang="en-KR" sz="5000" dirty="0">
+                <a:solidFill>
+                  <a:srgbClr val="FF0000"/>
+                </a:solidFill>
+                <a:latin typeface="Algerian" panose="04020705040A02060702" pitchFamily="82" charset="0"/>
+              </a:rPr>
+              <a:t>You</a:t>
             </a:r>
           </a:p>
         </p:txBody>

--- a/branch.pptx
+++ b/branch.pptx
@@ -263,7 +263,7 @@
           <a:p>
             <a:fld id="{42AB81E2-2E7B-B344-9159-A676E4F74E42}" type="datetimeFigureOut">
               <a:rPr lang="en-KR" smtClean="0"/>
-              <a:t>1/11/24</a:t>
+              <a:t>01/11/2024</a:t>
             </a:fld>
             <a:endParaRPr lang="en-KR"/>
           </a:p>
@@ -463,7 +463,7 @@
           <a:p>
             <a:fld id="{42AB81E2-2E7B-B344-9159-A676E4F74E42}" type="datetimeFigureOut">
               <a:rPr lang="en-KR" smtClean="0"/>
-              <a:t>1/11/24</a:t>
+              <a:t>01/11/2024</a:t>
             </a:fld>
             <a:endParaRPr lang="en-KR"/>
           </a:p>
@@ -673,7 +673,7 @@
           <a:p>
             <a:fld id="{42AB81E2-2E7B-B344-9159-A676E4F74E42}" type="datetimeFigureOut">
               <a:rPr lang="en-KR" smtClean="0"/>
-              <a:t>1/11/24</a:t>
+              <a:t>01/11/2024</a:t>
             </a:fld>
             <a:endParaRPr lang="en-KR"/>
           </a:p>
@@ -873,7 +873,7 @@
           <a:p>
             <a:fld id="{42AB81E2-2E7B-B344-9159-A676E4F74E42}" type="datetimeFigureOut">
               <a:rPr lang="en-KR" smtClean="0"/>
-              <a:t>1/11/24</a:t>
+              <a:t>01/11/2024</a:t>
             </a:fld>
             <a:endParaRPr lang="en-KR"/>
           </a:p>
@@ -1149,7 +1149,7 @@
           <a:p>
             <a:fld id="{42AB81E2-2E7B-B344-9159-A676E4F74E42}" type="datetimeFigureOut">
               <a:rPr lang="en-KR" smtClean="0"/>
-              <a:t>1/11/24</a:t>
+              <a:t>01/11/2024</a:t>
             </a:fld>
             <a:endParaRPr lang="en-KR"/>
           </a:p>
@@ -1417,7 +1417,7 @@
           <a:p>
             <a:fld id="{42AB81E2-2E7B-B344-9159-A676E4F74E42}" type="datetimeFigureOut">
               <a:rPr lang="en-KR" smtClean="0"/>
-              <a:t>1/11/24</a:t>
+              <a:t>01/11/2024</a:t>
             </a:fld>
             <a:endParaRPr lang="en-KR"/>
           </a:p>
@@ -1832,7 +1832,7 @@
           <a:p>
             <a:fld id="{42AB81E2-2E7B-B344-9159-A676E4F74E42}" type="datetimeFigureOut">
               <a:rPr lang="en-KR" smtClean="0"/>
-              <a:t>1/11/24</a:t>
+              <a:t>01/11/2024</a:t>
             </a:fld>
             <a:endParaRPr lang="en-KR"/>
           </a:p>
@@ -1974,7 +1974,7 @@
           <a:p>
             <a:fld id="{42AB81E2-2E7B-B344-9159-A676E4F74E42}" type="datetimeFigureOut">
               <a:rPr lang="en-KR" smtClean="0"/>
-              <a:t>1/11/24</a:t>
+              <a:t>01/11/2024</a:t>
             </a:fld>
             <a:endParaRPr lang="en-KR"/>
           </a:p>
@@ -2087,7 +2087,7 @@
           <a:p>
             <a:fld id="{42AB81E2-2E7B-B344-9159-A676E4F74E42}" type="datetimeFigureOut">
               <a:rPr lang="en-KR" smtClean="0"/>
-              <a:t>1/11/24</a:t>
+              <a:t>01/11/2024</a:t>
             </a:fld>
             <a:endParaRPr lang="en-KR"/>
           </a:p>
@@ -2400,7 +2400,7 @@
           <a:p>
             <a:fld id="{42AB81E2-2E7B-B344-9159-A676E4F74E42}" type="datetimeFigureOut">
               <a:rPr lang="en-KR" smtClean="0"/>
-              <a:t>1/11/24</a:t>
+              <a:t>01/11/2024</a:t>
             </a:fld>
             <a:endParaRPr lang="en-KR"/>
           </a:p>
@@ -2689,7 +2689,7 @@
           <a:p>
             <a:fld id="{42AB81E2-2E7B-B344-9159-A676E4F74E42}" type="datetimeFigureOut">
               <a:rPr lang="en-KR" smtClean="0"/>
-              <a:t>1/11/24</a:t>
+              <a:t>01/11/2024</a:t>
             </a:fld>
             <a:endParaRPr lang="en-KR"/>
           </a:p>
@@ -2932,7 +2932,7 @@
           <a:p>
             <a:fld id="{42AB81E2-2E7B-B344-9159-A676E4F74E42}" type="datetimeFigureOut">
               <a:rPr lang="en-KR" smtClean="0"/>
-              <a:t>1/11/24</a:t>
+              <a:t>01/11/2024</a:t>
             </a:fld>
             <a:endParaRPr lang="en-KR"/>
           </a:p>
@@ -3365,7 +3365,7 @@
                 <a16:creationId xmlns:a16="http://schemas.microsoft.com/office/drawing/2014/main" id="{934F1179-B481-4F9E-BCA3-AFB972070F83}"/>
               </a:ext>
               <a:ext uri="{C183D7F6-B498-43B3-948B-1728B52AA6E4}">
-                <adec:decorative xmlns:adec="http://schemas.microsoft.com/office/drawing/2017/decorative" val="1"/>
+                <adec:decorative xmlns:adec="http://schemas.microsoft.com/office/drawing/2017/decorative" xmlns="" val="1"/>
               </a:ext>
             </a:extLst>
           </p:cNvPr>
@@ -3425,7 +3425,7 @@
                 <a16:creationId xmlns:a16="http://schemas.microsoft.com/office/drawing/2014/main" id="{827DC2C4-B485-428A-BF4A-472D2967F47F}"/>
               </a:ext>
               <a:ext uri="{C183D7F6-B498-43B3-948B-1728B52AA6E4}">
-                <adec:decorative xmlns:adec="http://schemas.microsoft.com/office/drawing/2017/decorative" val="1"/>
+                <adec:decorative xmlns:adec="http://schemas.microsoft.com/office/drawing/2017/decorative" xmlns="" val="1"/>
               </a:ext>
             </a:extLst>
           </p:cNvPr>
@@ -3488,7 +3488,7 @@
                 <a16:creationId xmlns:a16="http://schemas.microsoft.com/office/drawing/2014/main" id="{EE04B5EB-F158-4507-90DD-BD23620C7CC9}"/>
               </a:ext>
               <a:ext uri="{C183D7F6-B498-43B3-948B-1728B52AA6E4}">
-                <adec:decorative xmlns:adec="http://schemas.microsoft.com/office/drawing/2017/decorative" val="1"/>
+                <adec:decorative xmlns:adec="http://schemas.microsoft.com/office/drawing/2017/decorative" xmlns="" val="1"/>
               </a:ext>
             </a:extLst>
           </p:cNvPr>
@@ -3852,6 +3852,46 @@
               </a:rPr>
               <a:t>Thank You</a:t>
             </a:r>
+          </a:p>
+        </p:txBody>
+      </p:sp>
+      <p:sp>
+        <p:nvSpPr>
+          <p:cNvPr id="2" name="직사각형 1"/>
+          <p:cNvSpPr/>
+          <p:nvPr/>
+        </p:nvSpPr>
+        <p:spPr>
+          <a:xfrm>
+            <a:off x="2540977" y="738554"/>
+            <a:ext cx="2611315" cy="1327639"/>
+          </a:xfrm>
+          <a:prstGeom prst="rect">
+            <a:avLst/>
+          </a:prstGeom>
+        </p:spPr>
+        <p:style>
+          <a:lnRef idx="2">
+            <a:schemeClr val="accent1">
+              <a:shade val="50000"/>
+            </a:schemeClr>
+          </a:lnRef>
+          <a:fillRef idx="1">
+            <a:schemeClr val="accent1"/>
+          </a:fillRef>
+          <a:effectRef idx="0">
+            <a:schemeClr val="accent1"/>
+          </a:effectRef>
+          <a:fontRef idx="minor">
+            <a:schemeClr val="lt1"/>
+          </a:fontRef>
+        </p:style>
+        <p:txBody>
+          <a:bodyPr rtlCol="0" anchor="ctr"/>
+          <a:lstStyle/>
+          <a:p>
+            <a:pPr algn="ctr"/>
+            <a:endParaRPr lang="ko-KR" altLang="en-US"/>
           </a:p>
         </p:txBody>
       </p:sp>

--- a/branch.pptx
+++ b/branch.pptx
@@ -263,7 +263,7 @@
           <a:p>
             <a:fld id="{42AB81E2-2E7B-B344-9159-A676E4F74E42}" type="datetimeFigureOut">
               <a:rPr lang="en-KR" smtClean="0"/>
-              <a:t>1/9/24</a:t>
+              <a:t>01/11/2024</a:t>
             </a:fld>
             <a:endParaRPr lang="en-KR"/>
           </a:p>
@@ -463,7 +463,7 @@
           <a:p>
             <a:fld id="{42AB81E2-2E7B-B344-9159-A676E4F74E42}" type="datetimeFigureOut">
               <a:rPr lang="en-KR" smtClean="0"/>
-              <a:t>1/9/24</a:t>
+              <a:t>01/11/2024</a:t>
             </a:fld>
             <a:endParaRPr lang="en-KR"/>
           </a:p>
@@ -673,7 +673,7 @@
           <a:p>
             <a:fld id="{42AB81E2-2E7B-B344-9159-A676E4F74E42}" type="datetimeFigureOut">
               <a:rPr lang="en-KR" smtClean="0"/>
-              <a:t>1/9/24</a:t>
+              <a:t>01/11/2024</a:t>
             </a:fld>
             <a:endParaRPr lang="en-KR"/>
           </a:p>
@@ -873,7 +873,7 @@
           <a:p>
             <a:fld id="{42AB81E2-2E7B-B344-9159-A676E4F74E42}" type="datetimeFigureOut">
               <a:rPr lang="en-KR" smtClean="0"/>
-              <a:t>1/9/24</a:t>
+              <a:t>01/11/2024</a:t>
             </a:fld>
             <a:endParaRPr lang="en-KR"/>
           </a:p>
@@ -1149,7 +1149,7 @@
           <a:p>
             <a:fld id="{42AB81E2-2E7B-B344-9159-A676E4F74E42}" type="datetimeFigureOut">
               <a:rPr lang="en-KR" smtClean="0"/>
-              <a:t>1/9/24</a:t>
+              <a:t>01/11/2024</a:t>
             </a:fld>
             <a:endParaRPr lang="en-KR"/>
           </a:p>
@@ -1417,7 +1417,7 @@
           <a:p>
             <a:fld id="{42AB81E2-2E7B-B344-9159-A676E4F74E42}" type="datetimeFigureOut">
               <a:rPr lang="en-KR" smtClean="0"/>
-              <a:t>1/9/24</a:t>
+              <a:t>01/11/2024</a:t>
             </a:fld>
             <a:endParaRPr lang="en-KR"/>
           </a:p>
@@ -1832,7 +1832,7 @@
           <a:p>
             <a:fld id="{42AB81E2-2E7B-B344-9159-A676E4F74E42}" type="datetimeFigureOut">
               <a:rPr lang="en-KR" smtClean="0"/>
-              <a:t>1/9/24</a:t>
+              <a:t>01/11/2024</a:t>
             </a:fld>
             <a:endParaRPr lang="en-KR"/>
           </a:p>
@@ -1974,7 +1974,7 @@
           <a:p>
             <a:fld id="{42AB81E2-2E7B-B344-9159-A676E4F74E42}" type="datetimeFigureOut">
               <a:rPr lang="en-KR" smtClean="0"/>
-              <a:t>1/9/24</a:t>
+              <a:t>01/11/2024</a:t>
             </a:fld>
             <a:endParaRPr lang="en-KR"/>
           </a:p>
@@ -2087,7 +2087,7 @@
           <a:p>
             <a:fld id="{42AB81E2-2E7B-B344-9159-A676E4F74E42}" type="datetimeFigureOut">
               <a:rPr lang="en-KR" smtClean="0"/>
-              <a:t>1/9/24</a:t>
+              <a:t>01/11/2024</a:t>
             </a:fld>
             <a:endParaRPr lang="en-KR"/>
           </a:p>
@@ -2400,7 +2400,7 @@
           <a:p>
             <a:fld id="{42AB81E2-2E7B-B344-9159-A676E4F74E42}" type="datetimeFigureOut">
               <a:rPr lang="en-KR" smtClean="0"/>
-              <a:t>1/9/24</a:t>
+              <a:t>01/11/2024</a:t>
             </a:fld>
             <a:endParaRPr lang="en-KR"/>
           </a:p>
@@ -2689,7 +2689,7 @@
           <a:p>
             <a:fld id="{42AB81E2-2E7B-B344-9159-A676E4F74E42}" type="datetimeFigureOut">
               <a:rPr lang="en-KR" smtClean="0"/>
-              <a:t>1/9/24</a:t>
+              <a:t>01/11/2024</a:t>
             </a:fld>
             <a:endParaRPr lang="en-KR"/>
           </a:p>
@@ -2932,7 +2932,7 @@
           <a:p>
             <a:fld id="{42AB81E2-2E7B-B344-9159-A676E4F74E42}" type="datetimeFigureOut">
               <a:rPr lang="en-KR" smtClean="0"/>
-              <a:t>1/9/24</a:t>
+              <a:t>01/11/2024</a:t>
             </a:fld>
             <a:endParaRPr lang="en-KR"/>
           </a:p>
@@ -3365,7 +3365,7 @@
                 <a16:creationId xmlns:a16="http://schemas.microsoft.com/office/drawing/2014/main" id="{934F1179-B481-4F9E-BCA3-AFB972070F83}"/>
               </a:ext>
               <a:ext uri="{C183D7F6-B498-43B3-948B-1728B52AA6E4}">
-                <adec:decorative xmlns:adec="http://schemas.microsoft.com/office/drawing/2017/decorative" val="1"/>
+                <adec:decorative xmlns:adec="http://schemas.microsoft.com/office/drawing/2017/decorative" xmlns="" val="1"/>
               </a:ext>
             </a:extLst>
           </p:cNvPr>
@@ -3425,7 +3425,7 @@
                 <a16:creationId xmlns:a16="http://schemas.microsoft.com/office/drawing/2014/main" id="{827DC2C4-B485-428A-BF4A-472D2967F47F}"/>
               </a:ext>
               <a:ext uri="{C183D7F6-B498-43B3-948B-1728B52AA6E4}">
-                <adec:decorative xmlns:adec="http://schemas.microsoft.com/office/drawing/2017/decorative" val="1"/>
+                <adec:decorative xmlns:adec="http://schemas.microsoft.com/office/drawing/2017/decorative" xmlns="" val="1"/>
               </a:ext>
             </a:extLst>
           </p:cNvPr>
@@ -3488,7 +3488,7 @@
                 <a16:creationId xmlns:a16="http://schemas.microsoft.com/office/drawing/2014/main" id="{EE04B5EB-F158-4507-90DD-BD23620C7CC9}"/>
               </a:ext>
               <a:ext uri="{C183D7F6-B498-43B3-948B-1728B52AA6E4}">
-                <adec:decorative xmlns:adec="http://schemas.microsoft.com/office/drawing/2017/decorative" val="1"/>
+                <adec:decorative xmlns:adec="http://schemas.microsoft.com/office/drawing/2017/decorative" xmlns="" val="1"/>
               </a:ext>
             </a:extLst>
           </p:cNvPr>
@@ -3855,6 +3855,46 @@
           </a:p>
         </p:txBody>
       </p:sp>
+      <p:sp>
+        <p:nvSpPr>
+          <p:cNvPr id="2" name="덧셈 기호 1"/>
+          <p:cNvSpPr/>
+          <p:nvPr/>
+        </p:nvSpPr>
+        <p:spPr>
+          <a:xfrm>
+            <a:off x="2281382" y="4221018"/>
+            <a:ext cx="2826327" cy="2466109"/>
+          </a:xfrm>
+          <a:prstGeom prst="mathPlus">
+            <a:avLst/>
+          </a:prstGeom>
+        </p:spPr>
+        <p:style>
+          <a:lnRef idx="2">
+            <a:schemeClr val="accent1">
+              <a:shade val="50000"/>
+            </a:schemeClr>
+          </a:lnRef>
+          <a:fillRef idx="1">
+            <a:schemeClr val="accent1"/>
+          </a:fillRef>
+          <a:effectRef idx="0">
+            <a:schemeClr val="accent1"/>
+          </a:effectRef>
+          <a:fontRef idx="minor">
+            <a:schemeClr val="lt1"/>
+          </a:fontRef>
+        </p:style>
+        <p:txBody>
+          <a:bodyPr rtlCol="0" anchor="ctr"/>
+          <a:lstStyle/>
+          <a:p>
+            <a:pPr algn="ctr"/>
+            <a:endParaRPr lang="ko-KR" altLang="en-US"/>
+          </a:p>
+        </p:txBody>
+      </p:sp>
     </p:spTree>
     <p:extLst>
       <p:ext uri="{BB962C8B-B14F-4D97-AF65-F5344CB8AC3E}">
@@ -3865,6 +3905,13 @@
   <p:clrMapOvr>
     <a:masterClrMapping/>
   </p:clrMapOvr>
+  <p:timing>
+    <p:tnLst>
+      <p:par>
+        <p:cTn id="1" dur="indefinite" restart="never" nodeType="tmRoot"/>
+      </p:par>
+    </p:tnLst>
+  </p:timing>
 </p:sld>
 </file>
 

--- a/branch.pptx
+++ b/branch.pptx
@@ -263,7 +263,7 @@
           <a:p>
             <a:fld id="{42AB81E2-2E7B-B344-9159-A676E4F74E42}" type="datetimeFigureOut">
               <a:rPr lang="en-KR" smtClean="0"/>
-              <a:t>1/9/24</a:t>
+              <a:t>01/11/2024</a:t>
             </a:fld>
             <a:endParaRPr lang="en-KR"/>
           </a:p>
@@ -463,7 +463,7 @@
           <a:p>
             <a:fld id="{42AB81E2-2E7B-B344-9159-A676E4F74E42}" type="datetimeFigureOut">
               <a:rPr lang="en-KR" smtClean="0"/>
-              <a:t>1/9/24</a:t>
+              <a:t>01/11/2024</a:t>
             </a:fld>
             <a:endParaRPr lang="en-KR"/>
           </a:p>
@@ -673,7 +673,7 @@
           <a:p>
             <a:fld id="{42AB81E2-2E7B-B344-9159-A676E4F74E42}" type="datetimeFigureOut">
               <a:rPr lang="en-KR" smtClean="0"/>
-              <a:t>1/9/24</a:t>
+              <a:t>01/11/2024</a:t>
             </a:fld>
             <a:endParaRPr lang="en-KR"/>
           </a:p>
@@ -873,7 +873,7 @@
           <a:p>
             <a:fld id="{42AB81E2-2E7B-B344-9159-A676E4F74E42}" type="datetimeFigureOut">
               <a:rPr lang="en-KR" smtClean="0"/>
-              <a:t>1/9/24</a:t>
+              <a:t>01/11/2024</a:t>
             </a:fld>
             <a:endParaRPr lang="en-KR"/>
           </a:p>
@@ -1149,7 +1149,7 @@
           <a:p>
             <a:fld id="{42AB81E2-2E7B-B344-9159-A676E4F74E42}" type="datetimeFigureOut">
               <a:rPr lang="en-KR" smtClean="0"/>
-              <a:t>1/9/24</a:t>
+              <a:t>01/11/2024</a:t>
             </a:fld>
             <a:endParaRPr lang="en-KR"/>
           </a:p>
@@ -1417,7 +1417,7 @@
           <a:p>
             <a:fld id="{42AB81E2-2E7B-B344-9159-A676E4F74E42}" type="datetimeFigureOut">
               <a:rPr lang="en-KR" smtClean="0"/>
-              <a:t>1/9/24</a:t>
+              <a:t>01/11/2024</a:t>
             </a:fld>
             <a:endParaRPr lang="en-KR"/>
           </a:p>
@@ -1832,7 +1832,7 @@
           <a:p>
             <a:fld id="{42AB81E2-2E7B-B344-9159-A676E4F74E42}" type="datetimeFigureOut">
               <a:rPr lang="en-KR" smtClean="0"/>
-              <a:t>1/9/24</a:t>
+              <a:t>01/11/2024</a:t>
             </a:fld>
             <a:endParaRPr lang="en-KR"/>
           </a:p>
@@ -1974,7 +1974,7 @@
           <a:p>
             <a:fld id="{42AB81E2-2E7B-B344-9159-A676E4F74E42}" type="datetimeFigureOut">
               <a:rPr lang="en-KR" smtClean="0"/>
-              <a:t>1/9/24</a:t>
+              <a:t>01/11/2024</a:t>
             </a:fld>
             <a:endParaRPr lang="en-KR"/>
           </a:p>
@@ -2087,7 +2087,7 @@
           <a:p>
             <a:fld id="{42AB81E2-2E7B-B344-9159-A676E4F74E42}" type="datetimeFigureOut">
               <a:rPr lang="en-KR" smtClean="0"/>
-              <a:t>1/9/24</a:t>
+              <a:t>01/11/2024</a:t>
             </a:fld>
             <a:endParaRPr lang="en-KR"/>
           </a:p>
@@ -2400,7 +2400,7 @@
           <a:p>
             <a:fld id="{42AB81E2-2E7B-B344-9159-A676E4F74E42}" type="datetimeFigureOut">
               <a:rPr lang="en-KR" smtClean="0"/>
-              <a:t>1/9/24</a:t>
+              <a:t>01/11/2024</a:t>
             </a:fld>
             <a:endParaRPr lang="en-KR"/>
           </a:p>
@@ -2689,7 +2689,7 @@
           <a:p>
             <a:fld id="{42AB81E2-2E7B-B344-9159-A676E4F74E42}" type="datetimeFigureOut">
               <a:rPr lang="en-KR" smtClean="0"/>
-              <a:t>1/9/24</a:t>
+              <a:t>01/11/2024</a:t>
             </a:fld>
             <a:endParaRPr lang="en-KR"/>
           </a:p>
@@ -2932,7 +2932,7 @@
           <a:p>
             <a:fld id="{42AB81E2-2E7B-B344-9159-A676E4F74E42}" type="datetimeFigureOut">
               <a:rPr lang="en-KR" smtClean="0"/>
-              <a:t>1/9/24</a:t>
+              <a:t>01/11/2024</a:t>
             </a:fld>
             <a:endParaRPr lang="en-KR"/>
           </a:p>
@@ -3365,7 +3365,7 @@
                 <a16:creationId xmlns:a16="http://schemas.microsoft.com/office/drawing/2014/main" id="{934F1179-B481-4F9E-BCA3-AFB972070F83}"/>
               </a:ext>
               <a:ext uri="{C183D7F6-B498-43B3-948B-1728B52AA6E4}">
-                <adec:decorative xmlns:adec="http://schemas.microsoft.com/office/drawing/2017/decorative" val="1"/>
+                <adec:decorative xmlns:adec="http://schemas.microsoft.com/office/drawing/2017/decorative" xmlns="" val="1"/>
               </a:ext>
             </a:extLst>
           </p:cNvPr>
@@ -3425,7 +3425,7 @@
                 <a16:creationId xmlns:a16="http://schemas.microsoft.com/office/drawing/2014/main" id="{827DC2C4-B485-428A-BF4A-472D2967F47F}"/>
               </a:ext>
               <a:ext uri="{C183D7F6-B498-43B3-948B-1728B52AA6E4}">
-                <adec:decorative xmlns:adec="http://schemas.microsoft.com/office/drawing/2017/decorative" val="1"/>
+                <adec:decorative xmlns:adec="http://schemas.microsoft.com/office/drawing/2017/decorative" xmlns="" val="1"/>
               </a:ext>
             </a:extLst>
           </p:cNvPr>
@@ -3488,7 +3488,7 @@
                 <a16:creationId xmlns:a16="http://schemas.microsoft.com/office/drawing/2014/main" id="{EE04B5EB-F158-4507-90DD-BD23620C7CC9}"/>
               </a:ext>
               <a:ext uri="{C183D7F6-B498-43B3-948B-1728B52AA6E4}">
-                <adec:decorative xmlns:adec="http://schemas.microsoft.com/office/drawing/2017/decorative" val="1"/>
+                <adec:decorative xmlns:adec="http://schemas.microsoft.com/office/drawing/2017/decorative" xmlns="" val="1"/>
               </a:ext>
             </a:extLst>
           </p:cNvPr>
@@ -3834,8 +3834,8 @@
         </p:nvSpPr>
         <p:spPr>
           <a:xfrm>
-            <a:off x="5225143" y="2928257"/>
-            <a:ext cx="1146852" cy="369332"/>
+            <a:off x="1844634" y="2955966"/>
+            <a:ext cx="5987921" cy="1569660"/>
           </a:xfrm>
           <a:prstGeom prst="rect">
             <a:avLst/>
@@ -3849,9 +3849,52 @@
           <a:lstStyle/>
           <a:p>
             <a:r>
-              <a:rPr lang="en-KR" dirty="0"/>
+              <a:rPr lang="en-KR" sz="9600" dirty="0"/>
               <a:t>Thank You</a:t>
             </a:r>
+          </a:p>
+        </p:txBody>
+      </p:sp>
+      <p:sp>
+        <p:nvSpPr>
+          <p:cNvPr id="2" name="하트 1"/>
+          <p:cNvSpPr/>
+          <p:nvPr/>
+        </p:nvSpPr>
+        <p:spPr>
+          <a:xfrm>
+            <a:off x="8525164" y="2235200"/>
+            <a:ext cx="2632363" cy="2650836"/>
+          </a:xfrm>
+          <a:prstGeom prst="heart">
+            <a:avLst/>
+          </a:prstGeom>
+          <a:solidFill>
+            <a:srgbClr val="00B050"/>
+          </a:solidFill>
+        </p:spPr>
+        <p:style>
+          <a:lnRef idx="2">
+            <a:schemeClr val="accent1">
+              <a:shade val="50000"/>
+            </a:schemeClr>
+          </a:lnRef>
+          <a:fillRef idx="1">
+            <a:schemeClr val="accent1"/>
+          </a:fillRef>
+          <a:effectRef idx="0">
+            <a:schemeClr val="accent1"/>
+          </a:effectRef>
+          <a:fontRef idx="minor">
+            <a:schemeClr val="lt1"/>
+          </a:fontRef>
+        </p:style>
+        <p:txBody>
+          <a:bodyPr rtlCol="0" anchor="ctr"/>
+          <a:lstStyle/>
+          <a:p>
+            <a:pPr algn="ctr"/>
+            <a:endParaRPr lang="ko-KR" altLang="en-US"/>
           </a:p>
         </p:txBody>
       </p:sp>

--- a/branch.pptx
+++ b/branch.pptx
@@ -263,7 +263,7 @@
           <a:p>
             <a:fld id="{42AB81E2-2E7B-B344-9159-A676E4F74E42}" type="datetimeFigureOut">
               <a:rPr lang="en-KR" smtClean="0"/>
-              <a:t>1/9/24</a:t>
+              <a:t>01/11/2024</a:t>
             </a:fld>
             <a:endParaRPr lang="en-KR"/>
           </a:p>
@@ -463,7 +463,7 @@
           <a:p>
             <a:fld id="{42AB81E2-2E7B-B344-9159-A676E4F74E42}" type="datetimeFigureOut">
               <a:rPr lang="en-KR" smtClean="0"/>
-              <a:t>1/9/24</a:t>
+              <a:t>01/11/2024</a:t>
             </a:fld>
             <a:endParaRPr lang="en-KR"/>
           </a:p>
@@ -673,7 +673,7 @@
           <a:p>
             <a:fld id="{42AB81E2-2E7B-B344-9159-A676E4F74E42}" type="datetimeFigureOut">
               <a:rPr lang="en-KR" smtClean="0"/>
-              <a:t>1/9/24</a:t>
+              <a:t>01/11/2024</a:t>
             </a:fld>
             <a:endParaRPr lang="en-KR"/>
           </a:p>
@@ -873,7 +873,7 @@
           <a:p>
             <a:fld id="{42AB81E2-2E7B-B344-9159-A676E4F74E42}" type="datetimeFigureOut">
               <a:rPr lang="en-KR" smtClean="0"/>
-              <a:t>1/9/24</a:t>
+              <a:t>01/11/2024</a:t>
             </a:fld>
             <a:endParaRPr lang="en-KR"/>
           </a:p>
@@ -1149,7 +1149,7 @@
           <a:p>
             <a:fld id="{42AB81E2-2E7B-B344-9159-A676E4F74E42}" type="datetimeFigureOut">
               <a:rPr lang="en-KR" smtClean="0"/>
-              <a:t>1/9/24</a:t>
+              <a:t>01/11/2024</a:t>
             </a:fld>
             <a:endParaRPr lang="en-KR"/>
           </a:p>
@@ -1417,7 +1417,7 @@
           <a:p>
             <a:fld id="{42AB81E2-2E7B-B344-9159-A676E4F74E42}" type="datetimeFigureOut">
               <a:rPr lang="en-KR" smtClean="0"/>
-              <a:t>1/9/24</a:t>
+              <a:t>01/11/2024</a:t>
             </a:fld>
             <a:endParaRPr lang="en-KR"/>
           </a:p>
@@ -1832,7 +1832,7 @@
           <a:p>
             <a:fld id="{42AB81E2-2E7B-B344-9159-A676E4F74E42}" type="datetimeFigureOut">
               <a:rPr lang="en-KR" smtClean="0"/>
-              <a:t>1/9/24</a:t>
+              <a:t>01/11/2024</a:t>
             </a:fld>
             <a:endParaRPr lang="en-KR"/>
           </a:p>
@@ -1974,7 +1974,7 @@
           <a:p>
             <a:fld id="{42AB81E2-2E7B-B344-9159-A676E4F74E42}" type="datetimeFigureOut">
               <a:rPr lang="en-KR" smtClean="0"/>
-              <a:t>1/9/24</a:t>
+              <a:t>01/11/2024</a:t>
             </a:fld>
             <a:endParaRPr lang="en-KR"/>
           </a:p>
@@ -2087,7 +2087,7 @@
           <a:p>
             <a:fld id="{42AB81E2-2E7B-B344-9159-A676E4F74E42}" type="datetimeFigureOut">
               <a:rPr lang="en-KR" smtClean="0"/>
-              <a:t>1/9/24</a:t>
+              <a:t>01/11/2024</a:t>
             </a:fld>
             <a:endParaRPr lang="en-KR"/>
           </a:p>
@@ -2400,7 +2400,7 @@
           <a:p>
             <a:fld id="{42AB81E2-2E7B-B344-9159-A676E4F74E42}" type="datetimeFigureOut">
               <a:rPr lang="en-KR" smtClean="0"/>
-              <a:t>1/9/24</a:t>
+              <a:t>01/11/2024</a:t>
             </a:fld>
             <a:endParaRPr lang="en-KR"/>
           </a:p>
@@ -2689,7 +2689,7 @@
           <a:p>
             <a:fld id="{42AB81E2-2E7B-B344-9159-A676E4F74E42}" type="datetimeFigureOut">
               <a:rPr lang="en-KR" smtClean="0"/>
-              <a:t>1/9/24</a:t>
+              <a:t>01/11/2024</a:t>
             </a:fld>
             <a:endParaRPr lang="en-KR"/>
           </a:p>
@@ -2932,7 +2932,7 @@
           <a:p>
             <a:fld id="{42AB81E2-2E7B-B344-9159-A676E4F74E42}" type="datetimeFigureOut">
               <a:rPr lang="en-KR" smtClean="0"/>
-              <a:t>1/9/24</a:t>
+              <a:t>01/11/2024</a:t>
             </a:fld>
             <a:endParaRPr lang="en-KR"/>
           </a:p>
@@ -3365,7 +3365,7 @@
                 <a16:creationId xmlns:a16="http://schemas.microsoft.com/office/drawing/2014/main" id="{934F1179-B481-4F9E-BCA3-AFB972070F83}"/>
               </a:ext>
               <a:ext uri="{C183D7F6-B498-43B3-948B-1728B52AA6E4}">
-                <adec:decorative xmlns:adec="http://schemas.microsoft.com/office/drawing/2017/decorative" val="1"/>
+                <adec:decorative xmlns="" xmlns:adec="http://schemas.microsoft.com/office/drawing/2017/decorative" val="1"/>
               </a:ext>
             </a:extLst>
           </p:cNvPr>
@@ -3425,7 +3425,7 @@
                 <a16:creationId xmlns:a16="http://schemas.microsoft.com/office/drawing/2014/main" id="{827DC2C4-B485-428A-BF4A-472D2967F47F}"/>
               </a:ext>
               <a:ext uri="{C183D7F6-B498-43B3-948B-1728B52AA6E4}">
-                <adec:decorative xmlns:adec="http://schemas.microsoft.com/office/drawing/2017/decorative" val="1"/>
+                <adec:decorative xmlns="" xmlns:adec="http://schemas.microsoft.com/office/drawing/2017/decorative" val="1"/>
               </a:ext>
             </a:extLst>
           </p:cNvPr>
@@ -3488,7 +3488,7 @@
                 <a16:creationId xmlns:a16="http://schemas.microsoft.com/office/drawing/2014/main" id="{EE04B5EB-F158-4507-90DD-BD23620C7CC9}"/>
               </a:ext>
               <a:ext uri="{C183D7F6-B498-43B3-948B-1728B52AA6E4}">
-                <adec:decorative xmlns:adec="http://schemas.microsoft.com/office/drawing/2017/decorative" val="1"/>
+                <adec:decorative xmlns="" xmlns:adec="http://schemas.microsoft.com/office/drawing/2017/decorative" val="1"/>
               </a:ext>
             </a:extLst>
           </p:cNvPr>
@@ -3820,6 +3820,44 @@
           <a:chExt cx="0" cy="0"/>
         </a:xfrm>
       </p:grpSpPr>
+      <p:sp>
+        <p:nvSpPr>
+          <p:cNvPr id="2" name="번개 1"/>
+          <p:cNvSpPr/>
+          <p:nvPr/>
+        </p:nvSpPr>
+        <p:spPr>
+          <a:xfrm>
+            <a:off x="1778564" y="1183039"/>
+            <a:ext cx="9186862" cy="4229100"/>
+          </a:xfrm>
+          <a:prstGeom prst="lightningBolt">
+            <a:avLst/>
+          </a:prstGeom>
+        </p:spPr>
+        <p:style>
+          <a:lnRef idx="1">
+            <a:schemeClr val="accent4"/>
+          </a:lnRef>
+          <a:fillRef idx="2">
+            <a:schemeClr val="accent4"/>
+          </a:fillRef>
+          <a:effectRef idx="1">
+            <a:schemeClr val="accent4"/>
+          </a:effectRef>
+          <a:fontRef idx="minor">
+            <a:schemeClr val="dk1"/>
+          </a:fontRef>
+        </p:style>
+        <p:txBody>
+          <a:bodyPr rtlCol="0" anchor="ctr"/>
+          <a:lstStyle/>
+          <a:p>
+            <a:pPr algn="ctr"/>
+            <a:endParaRPr lang="ko-KR" altLang="en-US"/>
+          </a:p>
+        </p:txBody>
+      </p:sp>
       <p:sp>
         <p:nvSpPr>
           <p:cNvPr id="4" name="TextBox 3">

--- a/branch.pptx
+++ b/branch.pptx
@@ -263,7 +263,7 @@
           <a:p>
             <a:fld id="{42AB81E2-2E7B-B344-9159-A676E4F74E42}" type="datetimeFigureOut">
               <a:rPr lang="en-KR" smtClean="0"/>
-              <a:t>1/9/24</a:t>
+              <a:t>01/11/2024</a:t>
             </a:fld>
             <a:endParaRPr lang="en-KR"/>
           </a:p>
@@ -463,7 +463,7 @@
           <a:p>
             <a:fld id="{42AB81E2-2E7B-B344-9159-A676E4F74E42}" type="datetimeFigureOut">
               <a:rPr lang="en-KR" smtClean="0"/>
-              <a:t>1/9/24</a:t>
+              <a:t>01/11/2024</a:t>
             </a:fld>
             <a:endParaRPr lang="en-KR"/>
           </a:p>
@@ -673,7 +673,7 @@
           <a:p>
             <a:fld id="{42AB81E2-2E7B-B344-9159-A676E4F74E42}" type="datetimeFigureOut">
               <a:rPr lang="en-KR" smtClean="0"/>
-              <a:t>1/9/24</a:t>
+              <a:t>01/11/2024</a:t>
             </a:fld>
             <a:endParaRPr lang="en-KR"/>
           </a:p>
@@ -873,7 +873,7 @@
           <a:p>
             <a:fld id="{42AB81E2-2E7B-B344-9159-A676E4F74E42}" type="datetimeFigureOut">
               <a:rPr lang="en-KR" smtClean="0"/>
-              <a:t>1/9/24</a:t>
+              <a:t>01/11/2024</a:t>
             </a:fld>
             <a:endParaRPr lang="en-KR"/>
           </a:p>
@@ -1149,7 +1149,7 @@
           <a:p>
             <a:fld id="{42AB81E2-2E7B-B344-9159-A676E4F74E42}" type="datetimeFigureOut">
               <a:rPr lang="en-KR" smtClean="0"/>
-              <a:t>1/9/24</a:t>
+              <a:t>01/11/2024</a:t>
             </a:fld>
             <a:endParaRPr lang="en-KR"/>
           </a:p>
@@ -1417,7 +1417,7 @@
           <a:p>
             <a:fld id="{42AB81E2-2E7B-B344-9159-A676E4F74E42}" type="datetimeFigureOut">
               <a:rPr lang="en-KR" smtClean="0"/>
-              <a:t>1/9/24</a:t>
+              <a:t>01/11/2024</a:t>
             </a:fld>
             <a:endParaRPr lang="en-KR"/>
           </a:p>
@@ -1832,7 +1832,7 @@
           <a:p>
             <a:fld id="{42AB81E2-2E7B-B344-9159-A676E4F74E42}" type="datetimeFigureOut">
               <a:rPr lang="en-KR" smtClean="0"/>
-              <a:t>1/9/24</a:t>
+              <a:t>01/11/2024</a:t>
             </a:fld>
             <a:endParaRPr lang="en-KR"/>
           </a:p>
@@ -1974,7 +1974,7 @@
           <a:p>
             <a:fld id="{42AB81E2-2E7B-B344-9159-A676E4F74E42}" type="datetimeFigureOut">
               <a:rPr lang="en-KR" smtClean="0"/>
-              <a:t>1/9/24</a:t>
+              <a:t>01/11/2024</a:t>
             </a:fld>
             <a:endParaRPr lang="en-KR"/>
           </a:p>
@@ -2087,7 +2087,7 @@
           <a:p>
             <a:fld id="{42AB81E2-2E7B-B344-9159-A676E4F74E42}" type="datetimeFigureOut">
               <a:rPr lang="en-KR" smtClean="0"/>
-              <a:t>1/9/24</a:t>
+              <a:t>01/11/2024</a:t>
             </a:fld>
             <a:endParaRPr lang="en-KR"/>
           </a:p>
@@ -2400,7 +2400,7 @@
           <a:p>
             <a:fld id="{42AB81E2-2E7B-B344-9159-A676E4F74E42}" type="datetimeFigureOut">
               <a:rPr lang="en-KR" smtClean="0"/>
-              <a:t>1/9/24</a:t>
+              <a:t>01/11/2024</a:t>
             </a:fld>
             <a:endParaRPr lang="en-KR"/>
           </a:p>
@@ -2689,7 +2689,7 @@
           <a:p>
             <a:fld id="{42AB81E2-2E7B-B344-9159-A676E4F74E42}" type="datetimeFigureOut">
               <a:rPr lang="en-KR" smtClean="0"/>
-              <a:t>1/9/24</a:t>
+              <a:t>01/11/2024</a:t>
             </a:fld>
             <a:endParaRPr lang="en-KR"/>
           </a:p>
@@ -2932,7 +2932,7 @@
           <a:p>
             <a:fld id="{42AB81E2-2E7B-B344-9159-A676E4F74E42}" type="datetimeFigureOut">
               <a:rPr lang="en-KR" smtClean="0"/>
-              <a:t>1/9/24</a:t>
+              <a:t>01/11/2024</a:t>
             </a:fld>
             <a:endParaRPr lang="en-KR"/>
           </a:p>
@@ -3365,7 +3365,7 @@
                 <a16:creationId xmlns:a16="http://schemas.microsoft.com/office/drawing/2014/main" id="{934F1179-B481-4F9E-BCA3-AFB972070F83}"/>
               </a:ext>
               <a:ext uri="{C183D7F6-B498-43B3-948B-1728B52AA6E4}">
-                <adec:decorative xmlns:adec="http://schemas.microsoft.com/office/drawing/2017/decorative" val="1"/>
+                <adec:decorative xmlns:adec="http://schemas.microsoft.com/office/drawing/2017/decorative" xmlns="" val="1"/>
               </a:ext>
             </a:extLst>
           </p:cNvPr>
@@ -3425,7 +3425,7 @@
                 <a16:creationId xmlns:a16="http://schemas.microsoft.com/office/drawing/2014/main" id="{827DC2C4-B485-428A-BF4A-472D2967F47F}"/>
               </a:ext>
               <a:ext uri="{C183D7F6-B498-43B3-948B-1728B52AA6E4}">
-                <adec:decorative xmlns:adec="http://schemas.microsoft.com/office/drawing/2017/decorative" val="1"/>
+                <adec:decorative xmlns:adec="http://schemas.microsoft.com/office/drawing/2017/decorative" xmlns="" val="1"/>
               </a:ext>
             </a:extLst>
           </p:cNvPr>
@@ -3488,7 +3488,7 @@
                 <a16:creationId xmlns:a16="http://schemas.microsoft.com/office/drawing/2014/main" id="{EE04B5EB-F158-4507-90DD-BD23620C7CC9}"/>
               </a:ext>
               <a:ext uri="{C183D7F6-B498-43B3-948B-1728B52AA6E4}">
-                <adec:decorative xmlns:adec="http://schemas.microsoft.com/office/drawing/2017/decorative" val="1"/>
+                <adec:decorative xmlns:adec="http://schemas.microsoft.com/office/drawing/2017/decorative" xmlns="" val="1"/>
               </a:ext>
             </a:extLst>
           </p:cNvPr>
@@ -3852,6 +3852,46 @@
               <a:rPr lang="en-KR" dirty="0"/>
               <a:t>Thank You</a:t>
             </a:r>
+          </a:p>
+        </p:txBody>
+      </p:sp>
+      <p:sp>
+        <p:nvSpPr>
+          <p:cNvPr id="2" name="하트 1"/>
+          <p:cNvSpPr/>
+          <p:nvPr/>
+        </p:nvSpPr>
+        <p:spPr>
+          <a:xfrm>
+            <a:off x="7426036" y="2724727"/>
+            <a:ext cx="1754909" cy="1394691"/>
+          </a:xfrm>
+          <a:prstGeom prst="heart">
+            <a:avLst/>
+          </a:prstGeom>
+        </p:spPr>
+        <p:style>
+          <a:lnRef idx="2">
+            <a:schemeClr val="accent1">
+              <a:shade val="50000"/>
+            </a:schemeClr>
+          </a:lnRef>
+          <a:fillRef idx="1">
+            <a:schemeClr val="accent1"/>
+          </a:fillRef>
+          <a:effectRef idx="0">
+            <a:schemeClr val="accent1"/>
+          </a:effectRef>
+          <a:fontRef idx="minor">
+            <a:schemeClr val="lt1"/>
+          </a:fontRef>
+        </p:style>
+        <p:txBody>
+          <a:bodyPr rtlCol="0" anchor="ctr"/>
+          <a:lstStyle/>
+          <a:p>
+            <a:pPr algn="ctr"/>
+            <a:endParaRPr lang="ko-KR" altLang="en-US"/>
           </a:p>
         </p:txBody>
       </p:sp>

--- a/branch.pptx
+++ b/branch.pptx
@@ -263,7 +263,7 @@
           <a:p>
             <a:fld id="{42AB81E2-2E7B-B344-9159-A676E4F74E42}" type="datetimeFigureOut">
               <a:rPr lang="en-KR" smtClean="0"/>
-              <a:t>1/11/24</a:t>
+              <a:t>01/11/2024</a:t>
             </a:fld>
             <a:endParaRPr lang="en-KR"/>
           </a:p>
@@ -463,7 +463,7 @@
           <a:p>
             <a:fld id="{42AB81E2-2E7B-B344-9159-A676E4F74E42}" type="datetimeFigureOut">
               <a:rPr lang="en-KR" smtClean="0"/>
-              <a:t>1/11/24</a:t>
+              <a:t>01/11/2024</a:t>
             </a:fld>
             <a:endParaRPr lang="en-KR"/>
           </a:p>
@@ -673,7 +673,7 @@
           <a:p>
             <a:fld id="{42AB81E2-2E7B-B344-9159-A676E4F74E42}" type="datetimeFigureOut">
               <a:rPr lang="en-KR" smtClean="0"/>
-              <a:t>1/11/24</a:t>
+              <a:t>01/11/2024</a:t>
             </a:fld>
             <a:endParaRPr lang="en-KR"/>
           </a:p>
@@ -873,7 +873,7 @@
           <a:p>
             <a:fld id="{42AB81E2-2E7B-B344-9159-A676E4F74E42}" type="datetimeFigureOut">
               <a:rPr lang="en-KR" smtClean="0"/>
-              <a:t>1/11/24</a:t>
+              <a:t>01/11/2024</a:t>
             </a:fld>
             <a:endParaRPr lang="en-KR"/>
           </a:p>
@@ -1149,7 +1149,7 @@
           <a:p>
             <a:fld id="{42AB81E2-2E7B-B344-9159-A676E4F74E42}" type="datetimeFigureOut">
               <a:rPr lang="en-KR" smtClean="0"/>
-              <a:t>1/11/24</a:t>
+              <a:t>01/11/2024</a:t>
             </a:fld>
             <a:endParaRPr lang="en-KR"/>
           </a:p>
@@ -1417,7 +1417,7 @@
           <a:p>
             <a:fld id="{42AB81E2-2E7B-B344-9159-A676E4F74E42}" type="datetimeFigureOut">
               <a:rPr lang="en-KR" smtClean="0"/>
-              <a:t>1/11/24</a:t>
+              <a:t>01/11/2024</a:t>
             </a:fld>
             <a:endParaRPr lang="en-KR"/>
           </a:p>
@@ -1832,7 +1832,7 @@
           <a:p>
             <a:fld id="{42AB81E2-2E7B-B344-9159-A676E4F74E42}" type="datetimeFigureOut">
               <a:rPr lang="en-KR" smtClean="0"/>
-              <a:t>1/11/24</a:t>
+              <a:t>01/11/2024</a:t>
             </a:fld>
             <a:endParaRPr lang="en-KR"/>
           </a:p>
@@ -1974,7 +1974,7 @@
           <a:p>
             <a:fld id="{42AB81E2-2E7B-B344-9159-A676E4F74E42}" type="datetimeFigureOut">
               <a:rPr lang="en-KR" smtClean="0"/>
-              <a:t>1/11/24</a:t>
+              <a:t>01/11/2024</a:t>
             </a:fld>
             <a:endParaRPr lang="en-KR"/>
           </a:p>
@@ -2087,7 +2087,7 @@
           <a:p>
             <a:fld id="{42AB81E2-2E7B-B344-9159-A676E4F74E42}" type="datetimeFigureOut">
               <a:rPr lang="en-KR" smtClean="0"/>
-              <a:t>1/11/24</a:t>
+              <a:t>01/11/2024</a:t>
             </a:fld>
             <a:endParaRPr lang="en-KR"/>
           </a:p>
@@ -2400,7 +2400,7 @@
           <a:p>
             <a:fld id="{42AB81E2-2E7B-B344-9159-A676E4F74E42}" type="datetimeFigureOut">
               <a:rPr lang="en-KR" smtClean="0"/>
-              <a:t>1/11/24</a:t>
+              <a:t>01/11/2024</a:t>
             </a:fld>
             <a:endParaRPr lang="en-KR"/>
           </a:p>
@@ -2689,7 +2689,7 @@
           <a:p>
             <a:fld id="{42AB81E2-2E7B-B344-9159-A676E4F74E42}" type="datetimeFigureOut">
               <a:rPr lang="en-KR" smtClean="0"/>
-              <a:t>1/11/24</a:t>
+              <a:t>01/11/2024</a:t>
             </a:fld>
             <a:endParaRPr lang="en-KR"/>
           </a:p>
@@ -2932,7 +2932,7 @@
           <a:p>
             <a:fld id="{42AB81E2-2E7B-B344-9159-A676E4F74E42}" type="datetimeFigureOut">
               <a:rPr lang="en-KR" smtClean="0"/>
-              <a:t>1/11/24</a:t>
+              <a:t>01/11/2024</a:t>
             </a:fld>
             <a:endParaRPr lang="en-KR"/>
           </a:p>
@@ -3365,7 +3365,7 @@
                 <a16:creationId xmlns:a16="http://schemas.microsoft.com/office/drawing/2014/main" id="{934F1179-B481-4F9E-BCA3-AFB972070F83}"/>
               </a:ext>
               <a:ext uri="{C183D7F6-B498-43B3-948B-1728B52AA6E4}">
-                <adec:decorative xmlns:adec="http://schemas.microsoft.com/office/drawing/2017/decorative" val="1"/>
+                <adec:decorative xmlns:adec="http://schemas.microsoft.com/office/drawing/2017/decorative" xmlns="" val="1"/>
               </a:ext>
             </a:extLst>
           </p:cNvPr>
@@ -3425,7 +3425,7 @@
                 <a16:creationId xmlns:a16="http://schemas.microsoft.com/office/drawing/2014/main" id="{827DC2C4-B485-428A-BF4A-472D2967F47F}"/>
               </a:ext>
               <a:ext uri="{C183D7F6-B498-43B3-948B-1728B52AA6E4}">
-                <adec:decorative xmlns:adec="http://schemas.microsoft.com/office/drawing/2017/decorative" val="1"/>
+                <adec:decorative xmlns:adec="http://schemas.microsoft.com/office/drawing/2017/decorative" xmlns="" val="1"/>
               </a:ext>
             </a:extLst>
           </p:cNvPr>
@@ -3488,7 +3488,7 @@
                 <a16:creationId xmlns:a16="http://schemas.microsoft.com/office/drawing/2014/main" id="{EE04B5EB-F158-4507-90DD-BD23620C7CC9}"/>
               </a:ext>
               <a:ext uri="{C183D7F6-B498-43B3-948B-1728B52AA6E4}">
-                <adec:decorative xmlns:adec="http://schemas.microsoft.com/office/drawing/2017/decorative" val="1"/>
+                <adec:decorative xmlns:adec="http://schemas.microsoft.com/office/drawing/2017/decorative" xmlns="" val="1"/>
               </a:ext>
             </a:extLst>
           </p:cNvPr>
@@ -3620,6 +3620,46 @@
           </a:p>
         </p:txBody>
       </p:sp>
+      <p:sp>
+        <p:nvSpPr>
+          <p:cNvPr id="4" name="직사각형 3"/>
+          <p:cNvSpPr/>
+          <p:nvPr/>
+        </p:nvSpPr>
+        <p:spPr>
+          <a:xfrm>
+            <a:off x="9694249" y="4002609"/>
+            <a:ext cx="1450110" cy="1496291"/>
+          </a:xfrm>
+          <a:prstGeom prst="rect">
+            <a:avLst/>
+          </a:prstGeom>
+        </p:spPr>
+        <p:style>
+          <a:lnRef idx="2">
+            <a:schemeClr val="accent1">
+              <a:shade val="50000"/>
+            </a:schemeClr>
+          </a:lnRef>
+          <a:fillRef idx="1">
+            <a:schemeClr val="accent1"/>
+          </a:fillRef>
+          <a:effectRef idx="0">
+            <a:schemeClr val="accent1"/>
+          </a:effectRef>
+          <a:fontRef idx="minor">
+            <a:schemeClr val="lt1"/>
+          </a:fontRef>
+        </p:style>
+        <p:txBody>
+          <a:bodyPr rtlCol="0" anchor="ctr"/>
+          <a:lstStyle/>
+          <a:p>
+            <a:pPr algn="ctr"/>
+            <a:endParaRPr lang="ko-KR" altLang="en-US"/>
+          </a:p>
+        </p:txBody>
+      </p:sp>
     </p:spTree>
     <p:extLst>
       <p:ext uri="{BB962C8B-B14F-4D97-AF65-F5344CB8AC3E}">
@@ -3630,6 +3670,13 @@
   <p:clrMapOvr>
     <a:masterClrMapping/>
   </p:clrMapOvr>
+  <p:timing>
+    <p:tnLst>
+      <p:par>
+        <p:cTn id="1" dur="indefinite" restart="never" nodeType="tmRoot"/>
+      </p:par>
+    </p:tnLst>
+  </p:timing>
 </p:sld>
 </file>
 

--- a/branch.pptx
+++ b/branch.pptx
@@ -263,7 +263,7 @@
           <a:p>
             <a:fld id="{42AB81E2-2E7B-B344-9159-A676E4F74E42}" type="datetimeFigureOut">
               <a:rPr lang="en-KR" smtClean="0"/>
-              <a:t>1/9/24</a:t>
+              <a:t>01/11/2024</a:t>
             </a:fld>
             <a:endParaRPr lang="en-KR"/>
           </a:p>
@@ -463,7 +463,7 @@
           <a:p>
             <a:fld id="{42AB81E2-2E7B-B344-9159-A676E4F74E42}" type="datetimeFigureOut">
               <a:rPr lang="en-KR" smtClean="0"/>
-              <a:t>1/9/24</a:t>
+              <a:t>01/11/2024</a:t>
             </a:fld>
             <a:endParaRPr lang="en-KR"/>
           </a:p>
@@ -673,7 +673,7 @@
           <a:p>
             <a:fld id="{42AB81E2-2E7B-B344-9159-A676E4F74E42}" type="datetimeFigureOut">
               <a:rPr lang="en-KR" smtClean="0"/>
-              <a:t>1/9/24</a:t>
+              <a:t>01/11/2024</a:t>
             </a:fld>
             <a:endParaRPr lang="en-KR"/>
           </a:p>
@@ -873,7 +873,7 @@
           <a:p>
             <a:fld id="{42AB81E2-2E7B-B344-9159-A676E4F74E42}" type="datetimeFigureOut">
               <a:rPr lang="en-KR" smtClean="0"/>
-              <a:t>1/9/24</a:t>
+              <a:t>01/11/2024</a:t>
             </a:fld>
             <a:endParaRPr lang="en-KR"/>
           </a:p>
@@ -1149,7 +1149,7 @@
           <a:p>
             <a:fld id="{42AB81E2-2E7B-B344-9159-A676E4F74E42}" type="datetimeFigureOut">
               <a:rPr lang="en-KR" smtClean="0"/>
-              <a:t>1/9/24</a:t>
+              <a:t>01/11/2024</a:t>
             </a:fld>
             <a:endParaRPr lang="en-KR"/>
           </a:p>
@@ -1417,7 +1417,7 @@
           <a:p>
             <a:fld id="{42AB81E2-2E7B-B344-9159-A676E4F74E42}" type="datetimeFigureOut">
               <a:rPr lang="en-KR" smtClean="0"/>
-              <a:t>1/9/24</a:t>
+              <a:t>01/11/2024</a:t>
             </a:fld>
             <a:endParaRPr lang="en-KR"/>
           </a:p>
@@ -1832,7 +1832,7 @@
           <a:p>
             <a:fld id="{42AB81E2-2E7B-B344-9159-A676E4F74E42}" type="datetimeFigureOut">
               <a:rPr lang="en-KR" smtClean="0"/>
-              <a:t>1/9/24</a:t>
+              <a:t>01/11/2024</a:t>
             </a:fld>
             <a:endParaRPr lang="en-KR"/>
           </a:p>
@@ -1974,7 +1974,7 @@
           <a:p>
             <a:fld id="{42AB81E2-2E7B-B344-9159-A676E4F74E42}" type="datetimeFigureOut">
               <a:rPr lang="en-KR" smtClean="0"/>
-              <a:t>1/9/24</a:t>
+              <a:t>01/11/2024</a:t>
             </a:fld>
             <a:endParaRPr lang="en-KR"/>
           </a:p>
@@ -2087,7 +2087,7 @@
           <a:p>
             <a:fld id="{42AB81E2-2E7B-B344-9159-A676E4F74E42}" type="datetimeFigureOut">
               <a:rPr lang="en-KR" smtClean="0"/>
-              <a:t>1/9/24</a:t>
+              <a:t>01/11/2024</a:t>
             </a:fld>
             <a:endParaRPr lang="en-KR"/>
           </a:p>
@@ -2400,7 +2400,7 @@
           <a:p>
             <a:fld id="{42AB81E2-2E7B-B344-9159-A676E4F74E42}" type="datetimeFigureOut">
               <a:rPr lang="en-KR" smtClean="0"/>
-              <a:t>1/9/24</a:t>
+              <a:t>01/11/2024</a:t>
             </a:fld>
             <a:endParaRPr lang="en-KR"/>
           </a:p>
@@ -2689,7 +2689,7 @@
           <a:p>
             <a:fld id="{42AB81E2-2E7B-B344-9159-A676E4F74E42}" type="datetimeFigureOut">
               <a:rPr lang="en-KR" smtClean="0"/>
-              <a:t>1/9/24</a:t>
+              <a:t>01/11/2024</a:t>
             </a:fld>
             <a:endParaRPr lang="en-KR"/>
           </a:p>
@@ -2932,7 +2932,7 @@
           <a:p>
             <a:fld id="{42AB81E2-2E7B-B344-9159-A676E4F74E42}" type="datetimeFigureOut">
               <a:rPr lang="en-KR" smtClean="0"/>
-              <a:t>1/9/24</a:t>
+              <a:t>01/11/2024</a:t>
             </a:fld>
             <a:endParaRPr lang="en-KR"/>
           </a:p>
@@ -3365,7 +3365,7 @@
                 <a16:creationId xmlns:a16="http://schemas.microsoft.com/office/drawing/2014/main" id="{934F1179-B481-4F9E-BCA3-AFB972070F83}"/>
               </a:ext>
               <a:ext uri="{C183D7F6-B498-43B3-948B-1728B52AA6E4}">
-                <adec:decorative xmlns:adec="http://schemas.microsoft.com/office/drawing/2017/decorative" val="1"/>
+                <adec:decorative xmlns="" xmlns:adec="http://schemas.microsoft.com/office/drawing/2017/decorative" val="1"/>
               </a:ext>
             </a:extLst>
           </p:cNvPr>
@@ -3425,7 +3425,7 @@
                 <a16:creationId xmlns:a16="http://schemas.microsoft.com/office/drawing/2014/main" id="{827DC2C4-B485-428A-BF4A-472D2967F47F}"/>
               </a:ext>
               <a:ext uri="{C183D7F6-B498-43B3-948B-1728B52AA6E4}">
-                <adec:decorative xmlns:adec="http://schemas.microsoft.com/office/drawing/2017/decorative" val="1"/>
+                <adec:decorative xmlns="" xmlns:adec="http://schemas.microsoft.com/office/drawing/2017/decorative" val="1"/>
               </a:ext>
             </a:extLst>
           </p:cNvPr>
@@ -3488,7 +3488,7 @@
                 <a16:creationId xmlns:a16="http://schemas.microsoft.com/office/drawing/2014/main" id="{EE04B5EB-F158-4507-90DD-BD23620C7CC9}"/>
               </a:ext>
               <a:ext uri="{C183D7F6-B498-43B3-948B-1728B52AA6E4}">
-                <adec:decorative xmlns:adec="http://schemas.microsoft.com/office/drawing/2017/decorative" val="1"/>
+                <adec:decorative xmlns="" xmlns:adec="http://schemas.microsoft.com/office/drawing/2017/decorative" val="1"/>
               </a:ext>
             </a:extLst>
           </p:cNvPr>
@@ -3826,7 +3826,7 @@
         </p:nvSpPr>
         <p:spPr>
           <a:xfrm>
-            <a:off x="2319549" y="2321004"/>
+            <a:off x="1146531" y="2293294"/>
             <a:ext cx="7552901" cy="2215991"/>
           </a:xfrm>
           <a:prstGeom prst="rect">
@@ -3848,6 +3848,46 @@
               </a:rPr>
               <a:t>Thank You</a:t>
             </a:r>
+          </a:p>
+        </p:txBody>
+      </p:sp>
+      <p:sp>
+        <p:nvSpPr>
+          <p:cNvPr id="3" name="하트 2"/>
+          <p:cNvSpPr/>
+          <p:nvPr/>
+        </p:nvSpPr>
+        <p:spPr>
+          <a:xfrm>
+            <a:off x="9809018" y="2641600"/>
+            <a:ext cx="1671782" cy="1727200"/>
+          </a:xfrm>
+          <a:prstGeom prst="heart">
+            <a:avLst/>
+          </a:prstGeom>
+        </p:spPr>
+        <p:style>
+          <a:lnRef idx="2">
+            <a:schemeClr val="accent1">
+              <a:shade val="50000"/>
+            </a:schemeClr>
+          </a:lnRef>
+          <a:fillRef idx="1">
+            <a:schemeClr val="accent1"/>
+          </a:fillRef>
+          <a:effectRef idx="0">
+            <a:schemeClr val="accent1"/>
+          </a:effectRef>
+          <a:fontRef idx="minor">
+            <a:schemeClr val="lt1"/>
+          </a:fontRef>
+        </p:style>
+        <p:txBody>
+          <a:bodyPr rtlCol="0" anchor="ctr"/>
+          <a:lstStyle/>
+          <a:p>
+            <a:pPr algn="ctr"/>
+            <a:endParaRPr lang="ko-KR" altLang="en-US"/>
           </a:p>
         </p:txBody>
       </p:sp>

--- a/branch.pptx
+++ b/branch.pptx
@@ -263,7 +263,7 @@
           <a:p>
             <a:fld id="{42AB81E2-2E7B-B344-9159-A676E4F74E42}" type="datetimeFigureOut">
               <a:rPr lang="en-KR" smtClean="0"/>
-              <a:t>1/9/24</a:t>
+              <a:t>01/11/2024</a:t>
             </a:fld>
             <a:endParaRPr lang="en-KR"/>
           </a:p>
@@ -463,7 +463,7 @@
           <a:p>
             <a:fld id="{42AB81E2-2E7B-B344-9159-A676E4F74E42}" type="datetimeFigureOut">
               <a:rPr lang="en-KR" smtClean="0"/>
-              <a:t>1/9/24</a:t>
+              <a:t>01/11/2024</a:t>
             </a:fld>
             <a:endParaRPr lang="en-KR"/>
           </a:p>
@@ -673,7 +673,7 @@
           <a:p>
             <a:fld id="{42AB81E2-2E7B-B344-9159-A676E4F74E42}" type="datetimeFigureOut">
               <a:rPr lang="en-KR" smtClean="0"/>
-              <a:t>1/9/24</a:t>
+              <a:t>01/11/2024</a:t>
             </a:fld>
             <a:endParaRPr lang="en-KR"/>
           </a:p>
@@ -873,7 +873,7 @@
           <a:p>
             <a:fld id="{42AB81E2-2E7B-B344-9159-A676E4F74E42}" type="datetimeFigureOut">
               <a:rPr lang="en-KR" smtClean="0"/>
-              <a:t>1/9/24</a:t>
+              <a:t>01/11/2024</a:t>
             </a:fld>
             <a:endParaRPr lang="en-KR"/>
           </a:p>
@@ -1149,7 +1149,7 @@
           <a:p>
             <a:fld id="{42AB81E2-2E7B-B344-9159-A676E4F74E42}" type="datetimeFigureOut">
               <a:rPr lang="en-KR" smtClean="0"/>
-              <a:t>1/9/24</a:t>
+              <a:t>01/11/2024</a:t>
             </a:fld>
             <a:endParaRPr lang="en-KR"/>
           </a:p>
@@ -1417,7 +1417,7 @@
           <a:p>
             <a:fld id="{42AB81E2-2E7B-B344-9159-A676E4F74E42}" type="datetimeFigureOut">
               <a:rPr lang="en-KR" smtClean="0"/>
-              <a:t>1/9/24</a:t>
+              <a:t>01/11/2024</a:t>
             </a:fld>
             <a:endParaRPr lang="en-KR"/>
           </a:p>
@@ -1832,7 +1832,7 @@
           <a:p>
             <a:fld id="{42AB81E2-2E7B-B344-9159-A676E4F74E42}" type="datetimeFigureOut">
               <a:rPr lang="en-KR" smtClean="0"/>
-              <a:t>1/9/24</a:t>
+              <a:t>01/11/2024</a:t>
             </a:fld>
             <a:endParaRPr lang="en-KR"/>
           </a:p>
@@ -1974,7 +1974,7 @@
           <a:p>
             <a:fld id="{42AB81E2-2E7B-B344-9159-A676E4F74E42}" type="datetimeFigureOut">
               <a:rPr lang="en-KR" smtClean="0"/>
-              <a:t>1/9/24</a:t>
+              <a:t>01/11/2024</a:t>
             </a:fld>
             <a:endParaRPr lang="en-KR"/>
           </a:p>
@@ -2087,7 +2087,7 @@
           <a:p>
             <a:fld id="{42AB81E2-2E7B-B344-9159-A676E4F74E42}" type="datetimeFigureOut">
               <a:rPr lang="en-KR" smtClean="0"/>
-              <a:t>1/9/24</a:t>
+              <a:t>01/11/2024</a:t>
             </a:fld>
             <a:endParaRPr lang="en-KR"/>
           </a:p>
@@ -2400,7 +2400,7 @@
           <a:p>
             <a:fld id="{42AB81E2-2E7B-B344-9159-A676E4F74E42}" type="datetimeFigureOut">
               <a:rPr lang="en-KR" smtClean="0"/>
-              <a:t>1/9/24</a:t>
+              <a:t>01/11/2024</a:t>
             </a:fld>
             <a:endParaRPr lang="en-KR"/>
           </a:p>
@@ -2689,7 +2689,7 @@
           <a:p>
             <a:fld id="{42AB81E2-2E7B-B344-9159-A676E4F74E42}" type="datetimeFigureOut">
               <a:rPr lang="en-KR" smtClean="0"/>
-              <a:t>1/9/24</a:t>
+              <a:t>01/11/2024</a:t>
             </a:fld>
             <a:endParaRPr lang="en-KR"/>
           </a:p>
@@ -2932,7 +2932,7 @@
           <a:p>
             <a:fld id="{42AB81E2-2E7B-B344-9159-A676E4F74E42}" type="datetimeFigureOut">
               <a:rPr lang="en-KR" smtClean="0"/>
-              <a:t>1/9/24</a:t>
+              <a:t>01/11/2024</a:t>
             </a:fld>
             <a:endParaRPr lang="en-KR"/>
           </a:p>
@@ -3365,7 +3365,7 @@
                 <a16:creationId xmlns:a16="http://schemas.microsoft.com/office/drawing/2014/main" id="{934F1179-B481-4F9E-BCA3-AFB972070F83}"/>
               </a:ext>
               <a:ext uri="{C183D7F6-B498-43B3-948B-1728B52AA6E4}">
-                <adec:decorative xmlns:adec="http://schemas.microsoft.com/office/drawing/2017/decorative" val="1"/>
+                <adec:decorative xmlns:adec="http://schemas.microsoft.com/office/drawing/2017/decorative" xmlns="" val="1"/>
               </a:ext>
             </a:extLst>
           </p:cNvPr>
@@ -3425,7 +3425,7 @@
                 <a16:creationId xmlns:a16="http://schemas.microsoft.com/office/drawing/2014/main" id="{827DC2C4-B485-428A-BF4A-472D2967F47F}"/>
               </a:ext>
               <a:ext uri="{C183D7F6-B498-43B3-948B-1728B52AA6E4}">
-                <adec:decorative xmlns:adec="http://schemas.microsoft.com/office/drawing/2017/decorative" val="1"/>
+                <adec:decorative xmlns:adec="http://schemas.microsoft.com/office/drawing/2017/decorative" xmlns="" val="1"/>
               </a:ext>
             </a:extLst>
           </p:cNvPr>
@@ -3488,7 +3488,7 @@
                 <a16:creationId xmlns:a16="http://schemas.microsoft.com/office/drawing/2014/main" id="{EE04B5EB-F158-4507-90DD-BD23620C7CC9}"/>
               </a:ext>
               <a:ext uri="{C183D7F6-B498-43B3-948B-1728B52AA6E4}">
-                <adec:decorative xmlns:adec="http://schemas.microsoft.com/office/drawing/2017/decorative" val="1"/>
+                <adec:decorative xmlns:adec="http://schemas.microsoft.com/office/drawing/2017/decorative" xmlns="" val="1"/>
               </a:ext>
             </a:extLst>
           </p:cNvPr>
@@ -3834,8 +3834,8 @@
         </p:nvSpPr>
         <p:spPr>
           <a:xfrm>
-            <a:off x="5225143" y="2928257"/>
-            <a:ext cx="1146852" cy="369332"/>
+            <a:off x="5225143" y="2928256"/>
+            <a:ext cx="2570348" cy="369332"/>
           </a:xfrm>
           <a:prstGeom prst="rect">
             <a:avLst/>
@@ -3843,15 +3843,24 @@
           <a:noFill/>
         </p:spPr>
         <p:txBody>
-          <a:bodyPr wrap="none" rtlCol="0">
+          <a:bodyPr wrap="square" rtlCol="0">
             <a:spAutoFit/>
           </a:bodyPr>
           <a:lstStyle/>
           <a:p>
             <a:r>
               <a:rPr lang="en-KR" dirty="0"/>
-              <a:t>Thank You</a:t>
-            </a:r>
+              <a:t>Thank </a:t>
+            </a:r>
+            <a:r>
+              <a:rPr lang="en-KR" dirty="0" smtClean="0"/>
+              <a:t>You</a:t>
+            </a:r>
+            <a:r>
+              <a:rPr lang="en-US" dirty="0" smtClean="0"/>
+              <a:t> Every One</a:t>
+            </a:r>
+            <a:endParaRPr lang="en-KR" dirty="0"/>
           </a:p>
         </p:txBody>
       </p:sp>

--- a/branch.pptx
+++ b/branch.pptx
@@ -263,7 +263,7 @@
           <a:p>
             <a:fld id="{42AB81E2-2E7B-B344-9159-A676E4F74E42}" type="datetimeFigureOut">
               <a:rPr lang="en-KR" smtClean="0"/>
-              <a:t>1/9/24</a:t>
+              <a:t>01/11/2024</a:t>
             </a:fld>
             <a:endParaRPr lang="en-KR"/>
           </a:p>
@@ -463,7 +463,7 @@
           <a:p>
             <a:fld id="{42AB81E2-2E7B-B344-9159-A676E4F74E42}" type="datetimeFigureOut">
               <a:rPr lang="en-KR" smtClean="0"/>
-              <a:t>1/9/24</a:t>
+              <a:t>01/11/2024</a:t>
             </a:fld>
             <a:endParaRPr lang="en-KR"/>
           </a:p>
@@ -673,7 +673,7 @@
           <a:p>
             <a:fld id="{42AB81E2-2E7B-B344-9159-A676E4F74E42}" type="datetimeFigureOut">
               <a:rPr lang="en-KR" smtClean="0"/>
-              <a:t>1/9/24</a:t>
+              <a:t>01/11/2024</a:t>
             </a:fld>
             <a:endParaRPr lang="en-KR"/>
           </a:p>
@@ -873,7 +873,7 @@
           <a:p>
             <a:fld id="{42AB81E2-2E7B-B344-9159-A676E4F74E42}" type="datetimeFigureOut">
               <a:rPr lang="en-KR" smtClean="0"/>
-              <a:t>1/9/24</a:t>
+              <a:t>01/11/2024</a:t>
             </a:fld>
             <a:endParaRPr lang="en-KR"/>
           </a:p>
@@ -1149,7 +1149,7 @@
           <a:p>
             <a:fld id="{42AB81E2-2E7B-B344-9159-A676E4F74E42}" type="datetimeFigureOut">
               <a:rPr lang="en-KR" smtClean="0"/>
-              <a:t>1/9/24</a:t>
+              <a:t>01/11/2024</a:t>
             </a:fld>
             <a:endParaRPr lang="en-KR"/>
           </a:p>
@@ -1417,7 +1417,7 @@
           <a:p>
             <a:fld id="{42AB81E2-2E7B-B344-9159-A676E4F74E42}" type="datetimeFigureOut">
               <a:rPr lang="en-KR" smtClean="0"/>
-              <a:t>1/9/24</a:t>
+              <a:t>01/11/2024</a:t>
             </a:fld>
             <a:endParaRPr lang="en-KR"/>
           </a:p>
@@ -1832,7 +1832,7 @@
           <a:p>
             <a:fld id="{42AB81E2-2E7B-B344-9159-A676E4F74E42}" type="datetimeFigureOut">
               <a:rPr lang="en-KR" smtClean="0"/>
-              <a:t>1/9/24</a:t>
+              <a:t>01/11/2024</a:t>
             </a:fld>
             <a:endParaRPr lang="en-KR"/>
           </a:p>
@@ -1974,7 +1974,7 @@
           <a:p>
             <a:fld id="{42AB81E2-2E7B-B344-9159-A676E4F74E42}" type="datetimeFigureOut">
               <a:rPr lang="en-KR" smtClean="0"/>
-              <a:t>1/9/24</a:t>
+              <a:t>01/11/2024</a:t>
             </a:fld>
             <a:endParaRPr lang="en-KR"/>
           </a:p>
@@ -2087,7 +2087,7 @@
           <a:p>
             <a:fld id="{42AB81E2-2E7B-B344-9159-A676E4F74E42}" type="datetimeFigureOut">
               <a:rPr lang="en-KR" smtClean="0"/>
-              <a:t>1/9/24</a:t>
+              <a:t>01/11/2024</a:t>
             </a:fld>
             <a:endParaRPr lang="en-KR"/>
           </a:p>
@@ -2400,7 +2400,7 @@
           <a:p>
             <a:fld id="{42AB81E2-2E7B-B344-9159-A676E4F74E42}" type="datetimeFigureOut">
               <a:rPr lang="en-KR" smtClean="0"/>
-              <a:t>1/9/24</a:t>
+              <a:t>01/11/2024</a:t>
             </a:fld>
             <a:endParaRPr lang="en-KR"/>
           </a:p>
@@ -2689,7 +2689,7 @@
           <a:p>
             <a:fld id="{42AB81E2-2E7B-B344-9159-A676E4F74E42}" type="datetimeFigureOut">
               <a:rPr lang="en-KR" smtClean="0"/>
-              <a:t>1/9/24</a:t>
+              <a:t>01/11/2024</a:t>
             </a:fld>
             <a:endParaRPr lang="en-KR"/>
           </a:p>
@@ -2932,7 +2932,7 @@
           <a:p>
             <a:fld id="{42AB81E2-2E7B-B344-9159-A676E4F74E42}" type="datetimeFigureOut">
               <a:rPr lang="en-KR" smtClean="0"/>
-              <a:t>1/9/24</a:t>
+              <a:t>01/11/2024</a:t>
             </a:fld>
             <a:endParaRPr lang="en-KR"/>
           </a:p>
@@ -3365,7 +3365,7 @@
                 <a16:creationId xmlns:a16="http://schemas.microsoft.com/office/drawing/2014/main" id="{934F1179-B481-4F9E-BCA3-AFB972070F83}"/>
               </a:ext>
               <a:ext uri="{C183D7F6-B498-43B3-948B-1728B52AA6E4}">
-                <adec:decorative xmlns:adec="http://schemas.microsoft.com/office/drawing/2017/decorative" val="1"/>
+                <adec:decorative xmlns:adec="http://schemas.microsoft.com/office/drawing/2017/decorative" xmlns="" val="1"/>
               </a:ext>
             </a:extLst>
           </p:cNvPr>
@@ -3425,7 +3425,7 @@
                 <a16:creationId xmlns:a16="http://schemas.microsoft.com/office/drawing/2014/main" id="{827DC2C4-B485-428A-BF4A-472D2967F47F}"/>
               </a:ext>
               <a:ext uri="{C183D7F6-B498-43B3-948B-1728B52AA6E4}">
-                <adec:decorative xmlns:adec="http://schemas.microsoft.com/office/drawing/2017/decorative" val="1"/>
+                <adec:decorative xmlns:adec="http://schemas.microsoft.com/office/drawing/2017/decorative" xmlns="" val="1"/>
               </a:ext>
             </a:extLst>
           </p:cNvPr>
@@ -3488,7 +3488,7 @@
                 <a16:creationId xmlns:a16="http://schemas.microsoft.com/office/drawing/2014/main" id="{EE04B5EB-F158-4507-90DD-BD23620C7CC9}"/>
               </a:ext>
               <a:ext uri="{C183D7F6-B498-43B3-948B-1728B52AA6E4}">
-                <adec:decorative xmlns:adec="http://schemas.microsoft.com/office/drawing/2017/decorative" val="1"/>
+                <adec:decorative xmlns:adec="http://schemas.microsoft.com/office/drawing/2017/decorative" xmlns="" val="1"/>
               </a:ext>
             </a:extLst>
           </p:cNvPr>
@@ -3835,7 +3835,7 @@
         <p:spPr>
           <a:xfrm>
             <a:off x="5225143" y="2928257"/>
-            <a:ext cx="1146852" cy="369332"/>
+            <a:ext cx="3633302" cy="369332"/>
           </a:xfrm>
           <a:prstGeom prst="rect">
             <a:avLst/>
@@ -3850,8 +3850,21 @@
           <a:p>
             <a:r>
               <a:rPr lang="en-KR" dirty="0"/>
-              <a:t>Thank You</a:t>
-            </a:r>
+              <a:t>Thank </a:t>
+            </a:r>
+            <a:r>
+              <a:rPr lang="en-KR" dirty="0" smtClean="0"/>
+              <a:t>You</a:t>
+            </a:r>
+            <a:r>
+              <a:rPr lang="en-US" dirty="0" smtClean="0"/>
+              <a:t> </a:t>
+            </a:r>
+            <a:r>
+              <a:rPr lang="ko-KR" altLang="en-US" dirty="0" err="1" smtClean="0"/>
+              <a:t>ㅇㅇㅇㅇㅇㅇㅇㅇㅇㅇ</a:t>
+            </a:r>
+            <a:endParaRPr lang="en-KR" dirty="0"/>
           </a:p>
         </p:txBody>
       </p:sp>

--- a/branch.pptx
+++ b/branch.pptx
@@ -263,7 +263,7 @@
           <a:p>
             <a:fld id="{42AB81E2-2E7B-B344-9159-A676E4F74E42}" type="datetimeFigureOut">
               <a:rPr lang="en-KR" smtClean="0"/>
-              <a:t>1/9/24</a:t>
+              <a:t>01/11/2024</a:t>
             </a:fld>
             <a:endParaRPr lang="en-KR"/>
           </a:p>
@@ -463,7 +463,7 @@
           <a:p>
             <a:fld id="{42AB81E2-2E7B-B344-9159-A676E4F74E42}" type="datetimeFigureOut">
               <a:rPr lang="en-KR" smtClean="0"/>
-              <a:t>1/9/24</a:t>
+              <a:t>01/11/2024</a:t>
             </a:fld>
             <a:endParaRPr lang="en-KR"/>
           </a:p>
@@ -673,7 +673,7 @@
           <a:p>
             <a:fld id="{42AB81E2-2E7B-B344-9159-A676E4F74E42}" type="datetimeFigureOut">
               <a:rPr lang="en-KR" smtClean="0"/>
-              <a:t>1/9/24</a:t>
+              <a:t>01/11/2024</a:t>
             </a:fld>
             <a:endParaRPr lang="en-KR"/>
           </a:p>
@@ -873,7 +873,7 @@
           <a:p>
             <a:fld id="{42AB81E2-2E7B-B344-9159-A676E4F74E42}" type="datetimeFigureOut">
               <a:rPr lang="en-KR" smtClean="0"/>
-              <a:t>1/9/24</a:t>
+              <a:t>01/11/2024</a:t>
             </a:fld>
             <a:endParaRPr lang="en-KR"/>
           </a:p>
@@ -1149,7 +1149,7 @@
           <a:p>
             <a:fld id="{42AB81E2-2E7B-B344-9159-A676E4F74E42}" type="datetimeFigureOut">
               <a:rPr lang="en-KR" smtClean="0"/>
-              <a:t>1/9/24</a:t>
+              <a:t>01/11/2024</a:t>
             </a:fld>
             <a:endParaRPr lang="en-KR"/>
           </a:p>
@@ -1417,7 +1417,7 @@
           <a:p>
             <a:fld id="{42AB81E2-2E7B-B344-9159-A676E4F74E42}" type="datetimeFigureOut">
               <a:rPr lang="en-KR" smtClean="0"/>
-              <a:t>1/9/24</a:t>
+              <a:t>01/11/2024</a:t>
             </a:fld>
             <a:endParaRPr lang="en-KR"/>
           </a:p>
@@ -1832,7 +1832,7 @@
           <a:p>
             <a:fld id="{42AB81E2-2E7B-B344-9159-A676E4F74E42}" type="datetimeFigureOut">
               <a:rPr lang="en-KR" smtClean="0"/>
-              <a:t>1/9/24</a:t>
+              <a:t>01/11/2024</a:t>
             </a:fld>
             <a:endParaRPr lang="en-KR"/>
           </a:p>
@@ -1974,7 +1974,7 @@
           <a:p>
             <a:fld id="{42AB81E2-2E7B-B344-9159-A676E4F74E42}" type="datetimeFigureOut">
               <a:rPr lang="en-KR" smtClean="0"/>
-              <a:t>1/9/24</a:t>
+              <a:t>01/11/2024</a:t>
             </a:fld>
             <a:endParaRPr lang="en-KR"/>
           </a:p>
@@ -2087,7 +2087,7 @@
           <a:p>
             <a:fld id="{42AB81E2-2E7B-B344-9159-A676E4F74E42}" type="datetimeFigureOut">
               <a:rPr lang="en-KR" smtClean="0"/>
-              <a:t>1/9/24</a:t>
+              <a:t>01/11/2024</a:t>
             </a:fld>
             <a:endParaRPr lang="en-KR"/>
           </a:p>
@@ -2400,7 +2400,7 @@
           <a:p>
             <a:fld id="{42AB81E2-2E7B-B344-9159-A676E4F74E42}" type="datetimeFigureOut">
               <a:rPr lang="en-KR" smtClean="0"/>
-              <a:t>1/9/24</a:t>
+              <a:t>01/11/2024</a:t>
             </a:fld>
             <a:endParaRPr lang="en-KR"/>
           </a:p>
@@ -2689,7 +2689,7 @@
           <a:p>
             <a:fld id="{42AB81E2-2E7B-B344-9159-A676E4F74E42}" type="datetimeFigureOut">
               <a:rPr lang="en-KR" smtClean="0"/>
-              <a:t>1/9/24</a:t>
+              <a:t>01/11/2024</a:t>
             </a:fld>
             <a:endParaRPr lang="en-KR"/>
           </a:p>
@@ -2932,7 +2932,7 @@
           <a:p>
             <a:fld id="{42AB81E2-2E7B-B344-9159-A676E4F74E42}" type="datetimeFigureOut">
               <a:rPr lang="en-KR" smtClean="0"/>
-              <a:t>1/9/24</a:t>
+              <a:t>01/11/2024</a:t>
             </a:fld>
             <a:endParaRPr lang="en-KR"/>
           </a:p>
@@ -3365,7 +3365,7 @@
                 <a16:creationId xmlns:a16="http://schemas.microsoft.com/office/drawing/2014/main" id="{934F1179-B481-4F9E-BCA3-AFB972070F83}"/>
               </a:ext>
               <a:ext uri="{C183D7F6-B498-43B3-948B-1728B52AA6E4}">
-                <adec:decorative xmlns:adec="http://schemas.microsoft.com/office/drawing/2017/decorative" val="1"/>
+                <adec:decorative xmlns:adec="http://schemas.microsoft.com/office/drawing/2017/decorative" xmlns="" val="1"/>
               </a:ext>
             </a:extLst>
           </p:cNvPr>
@@ -3425,7 +3425,7 @@
                 <a16:creationId xmlns:a16="http://schemas.microsoft.com/office/drawing/2014/main" id="{827DC2C4-B485-428A-BF4A-472D2967F47F}"/>
               </a:ext>
               <a:ext uri="{C183D7F6-B498-43B3-948B-1728B52AA6E4}">
-                <adec:decorative xmlns:adec="http://schemas.microsoft.com/office/drawing/2017/decorative" val="1"/>
+                <adec:decorative xmlns:adec="http://schemas.microsoft.com/office/drawing/2017/decorative" xmlns="" val="1"/>
               </a:ext>
             </a:extLst>
           </p:cNvPr>
@@ -3488,7 +3488,7 @@
                 <a16:creationId xmlns:a16="http://schemas.microsoft.com/office/drawing/2014/main" id="{EE04B5EB-F158-4507-90DD-BD23620C7CC9}"/>
               </a:ext>
               <a:ext uri="{C183D7F6-B498-43B3-948B-1728B52AA6E4}">
-                <adec:decorative xmlns:adec="http://schemas.microsoft.com/office/drawing/2017/decorative" val="1"/>
+                <adec:decorative xmlns:adec="http://schemas.microsoft.com/office/drawing/2017/decorative" xmlns="" val="1"/>
               </a:ext>
             </a:extLst>
           </p:cNvPr>
@@ -3827,7 +3827,7 @@
         <p:spPr>
           <a:xfrm>
             <a:off x="2319549" y="2321004"/>
-            <a:ext cx="7552901" cy="2215991"/>
+            <a:ext cx="7576113" cy="4339650"/>
           </a:xfrm>
           <a:prstGeom prst="rect">
             <a:avLst/>
@@ -3846,8 +3846,44 @@
                   <a:srgbClr val="FF0000"/>
                 </a:solidFill>
               </a:rPr>
-              <a:t>Thank You</a:t>
-            </a:r>
+              <a:t>Thank </a:t>
+            </a:r>
+            <a:r>
+              <a:rPr lang="en-KR" sz="13800" dirty="0" smtClean="0">
+                <a:solidFill>
+                  <a:srgbClr val="FF0000"/>
+                </a:solidFill>
+              </a:rPr>
+              <a:t>Y</a:t>
+            </a:r>
+            <a:endParaRPr lang="en-US" sz="13800" dirty="0">
+              <a:solidFill>
+                <a:srgbClr val="FF0000"/>
+              </a:solidFill>
+            </a:endParaRPr>
+          </a:p>
+          <a:p>
+            <a:r>
+              <a:rPr lang="ko-KR" altLang="en-US" sz="13800" dirty="0" err="1" smtClean="0">
+                <a:solidFill>
+                  <a:srgbClr val="FF0000"/>
+                </a:solidFill>
+              </a:rPr>
+              <a:t>ㅇㅇㅇ</a:t>
+            </a:r>
+            <a:r>
+              <a:rPr lang="en-KR" sz="13800" dirty="0" smtClean="0">
+                <a:solidFill>
+                  <a:srgbClr val="FF0000"/>
+                </a:solidFill>
+              </a:rPr>
+              <a:t>ou</a:t>
+            </a:r>
+            <a:endParaRPr lang="en-KR" sz="13800" dirty="0">
+              <a:solidFill>
+                <a:srgbClr val="FF0000"/>
+              </a:solidFill>
+            </a:endParaRPr>
           </a:p>
         </p:txBody>
       </p:sp>
